--- a/doc/ppt/PlaatEnergy Oostpoort.pptx
+++ b/doc/ppt/PlaatEnergy Oostpoort.pptx
@@ -121,6 +121,22 @@
       </a:defRPr>
     </a:lvl9pPr>
   </p:defaultTextStyle>
+  <p:extLst>
+    <p:ext uri="{EFAFB233-063F-42B5-8137-9DF3F51BA10A}">
+      <p15:sldGuideLst xmlns:p15="http://schemas.microsoft.com/office/powerpoint/2012/main">
+        <p15:guide id="1" orient="horz" pos="2160">
+          <p15:clr>
+            <a:srgbClr val="A4A3A4"/>
+          </p15:clr>
+        </p15:guide>
+        <p15:guide id="2" pos="2880">
+          <p15:clr>
+            <a:srgbClr val="A4A3A4"/>
+          </p15:clr>
+        </p15:guide>
+      </p15:sldGuideLst>
+    </p:ext>
+  </p:extLst>
 </p:presentation>
 </file>
 
@@ -207,7 +223,7 @@
             <a:fld id="{AAA9B6CD-1D48-452A-A7F2-8CBBE02CC7D2}" type="datetimeFigureOut">
               <a:rPr lang="nl-NL" smtClean="0"/>
               <a:pPr/>
-              <a:t>13-3-2016</a:t>
+              <a:t>14-10-2018</a:t>
             </a:fld>
             <a:endParaRPr lang="nl-NL"/>
           </a:p>
@@ -273,38 +289,37 @@
           <a:p>
             <a:pPr lvl="0"/>
             <a:r>
-              <a:rPr lang="nl-NL" smtClean="0"/>
+              <a:rPr lang="nl-NL"/>
               <a:t>Klik om de modelstijlen te bewerken</a:t>
             </a:r>
           </a:p>
           <a:p>
             <a:pPr lvl="1"/>
             <a:r>
-              <a:rPr lang="nl-NL" smtClean="0"/>
+              <a:rPr lang="nl-NL"/>
               <a:t>Tweede niveau</a:t>
             </a:r>
           </a:p>
           <a:p>
             <a:pPr lvl="2"/>
             <a:r>
-              <a:rPr lang="nl-NL" smtClean="0"/>
+              <a:rPr lang="nl-NL"/>
               <a:t>Derde niveau</a:t>
             </a:r>
           </a:p>
           <a:p>
             <a:pPr lvl="3"/>
             <a:r>
-              <a:rPr lang="nl-NL" smtClean="0"/>
+              <a:rPr lang="nl-NL"/>
               <a:t>Vierde niveau</a:t>
             </a:r>
           </a:p>
           <a:p>
             <a:pPr lvl="4"/>
             <a:r>
-              <a:rPr lang="nl-NL" smtClean="0"/>
+              <a:rPr lang="nl-NL"/>
               <a:t>Vijfde niveau</a:t>
             </a:r>
-            <a:endParaRPr lang="nl-NL"/>
           </a:p>
         </p:txBody>
       </p:sp>
@@ -369,7 +384,7 @@
             <a:fld id="{3F950F4F-C5AF-4494-B3CA-9201F9D52D46}" type="slidenum">
               <a:rPr lang="nl-NL" smtClean="0"/>
               <a:pPr/>
-              <a:t>‹nr.›</a:t>
+              <a:t>‹#›</a:t>
             </a:fld>
             <a:endParaRPr lang="nl-NL"/>
           </a:p>
@@ -511,10 +526,9 @@
           <a:lstStyle/>
           <a:p>
             <a:r>
-              <a:rPr lang="nl-NL" smtClean="0"/>
+              <a:rPr lang="nl-NL"/>
               <a:t>Klik om de stijl te bewerken</a:t>
             </a:r>
-            <a:endParaRPr lang="nl-NL"/>
           </a:p>
         </p:txBody>
       </p:sp>
@@ -630,10 +644,9 @@
           </a:lstStyle>
           <a:p>
             <a:r>
-              <a:rPr lang="nl-NL" smtClean="0"/>
+              <a:rPr lang="nl-NL"/>
               <a:t>Klik om het opmaakprofiel van de modelondertitel te bewerken</a:t>
             </a:r>
-            <a:endParaRPr lang="nl-NL"/>
           </a:p>
         </p:txBody>
       </p:sp>
@@ -655,7 +668,7 @@
             <a:fld id="{96BAE843-BE96-40CB-B634-F63C679A4CF5}" type="datetimeFigureOut">
               <a:rPr lang="nl-NL" smtClean="0"/>
               <a:pPr/>
-              <a:t>13-3-2016</a:t>
+              <a:t>14-10-2018</a:t>
             </a:fld>
             <a:endParaRPr lang="nl-NL"/>
           </a:p>
@@ -698,7 +711,7 @@
             <a:fld id="{727BD2AF-9C77-4256-BC44-28E620F1C4BA}" type="slidenum">
               <a:rPr lang="nl-NL" smtClean="0"/>
               <a:pPr/>
-              <a:t>‹nr.›</a:t>
+              <a:t>‹#›</a:t>
             </a:fld>
             <a:endParaRPr lang="nl-NL"/>
           </a:p>
@@ -745,10 +758,9 @@
           <a:lstStyle/>
           <a:p>
             <a:r>
-              <a:rPr lang="nl-NL" smtClean="0"/>
+              <a:rPr lang="nl-NL"/>
               <a:t>Klik om de stijl te bewerken</a:t>
             </a:r>
-            <a:endParaRPr lang="nl-NL"/>
           </a:p>
         </p:txBody>
       </p:sp>
@@ -769,38 +781,37 @@
           <a:p>
             <a:pPr lvl="0"/>
             <a:r>
-              <a:rPr lang="nl-NL" smtClean="0"/>
+              <a:rPr lang="nl-NL"/>
               <a:t>Klik om de modelstijlen te bewerken</a:t>
             </a:r>
           </a:p>
           <a:p>
             <a:pPr lvl="1"/>
             <a:r>
-              <a:rPr lang="nl-NL" smtClean="0"/>
+              <a:rPr lang="nl-NL"/>
               <a:t>Tweede niveau</a:t>
             </a:r>
           </a:p>
           <a:p>
             <a:pPr lvl="2"/>
             <a:r>
-              <a:rPr lang="nl-NL" smtClean="0"/>
+              <a:rPr lang="nl-NL"/>
               <a:t>Derde niveau</a:t>
             </a:r>
           </a:p>
           <a:p>
             <a:pPr lvl="3"/>
             <a:r>
-              <a:rPr lang="nl-NL" smtClean="0"/>
+              <a:rPr lang="nl-NL"/>
               <a:t>Vierde niveau</a:t>
             </a:r>
           </a:p>
           <a:p>
             <a:pPr lvl="4"/>
             <a:r>
-              <a:rPr lang="nl-NL" smtClean="0"/>
+              <a:rPr lang="nl-NL"/>
               <a:t>Vijfde niveau</a:t>
             </a:r>
-            <a:endParaRPr lang="nl-NL"/>
           </a:p>
         </p:txBody>
       </p:sp>
@@ -822,7 +833,7 @@
             <a:fld id="{96BAE843-BE96-40CB-B634-F63C679A4CF5}" type="datetimeFigureOut">
               <a:rPr lang="nl-NL" smtClean="0"/>
               <a:pPr/>
-              <a:t>13-3-2016</a:t>
+              <a:t>14-10-2018</a:t>
             </a:fld>
             <a:endParaRPr lang="nl-NL"/>
           </a:p>
@@ -865,7 +876,7 @@
             <a:fld id="{727BD2AF-9C77-4256-BC44-28E620F1C4BA}" type="slidenum">
               <a:rPr lang="nl-NL" smtClean="0"/>
               <a:pPr/>
-              <a:t>‹nr.›</a:t>
+              <a:t>‹#›</a:t>
             </a:fld>
             <a:endParaRPr lang="nl-NL"/>
           </a:p>
@@ -917,10 +928,9 @@
           <a:lstStyle/>
           <a:p>
             <a:r>
-              <a:rPr lang="nl-NL" smtClean="0"/>
+              <a:rPr lang="nl-NL"/>
               <a:t>Klik om de stijl te bewerken</a:t>
             </a:r>
-            <a:endParaRPr lang="nl-NL"/>
           </a:p>
         </p:txBody>
       </p:sp>
@@ -946,38 +956,37 @@
           <a:p>
             <a:pPr lvl="0"/>
             <a:r>
-              <a:rPr lang="nl-NL" smtClean="0"/>
+              <a:rPr lang="nl-NL"/>
               <a:t>Klik om de modelstijlen te bewerken</a:t>
             </a:r>
           </a:p>
           <a:p>
             <a:pPr lvl="1"/>
             <a:r>
-              <a:rPr lang="nl-NL" smtClean="0"/>
+              <a:rPr lang="nl-NL"/>
               <a:t>Tweede niveau</a:t>
             </a:r>
           </a:p>
           <a:p>
             <a:pPr lvl="2"/>
             <a:r>
-              <a:rPr lang="nl-NL" smtClean="0"/>
+              <a:rPr lang="nl-NL"/>
               <a:t>Derde niveau</a:t>
             </a:r>
           </a:p>
           <a:p>
             <a:pPr lvl="3"/>
             <a:r>
-              <a:rPr lang="nl-NL" smtClean="0"/>
+              <a:rPr lang="nl-NL"/>
               <a:t>Vierde niveau</a:t>
             </a:r>
           </a:p>
           <a:p>
             <a:pPr lvl="4"/>
             <a:r>
-              <a:rPr lang="nl-NL" smtClean="0"/>
+              <a:rPr lang="nl-NL"/>
               <a:t>Vijfde niveau</a:t>
             </a:r>
-            <a:endParaRPr lang="nl-NL"/>
           </a:p>
         </p:txBody>
       </p:sp>
@@ -999,7 +1008,7 @@
             <a:fld id="{96BAE843-BE96-40CB-B634-F63C679A4CF5}" type="datetimeFigureOut">
               <a:rPr lang="nl-NL" smtClean="0"/>
               <a:pPr/>
-              <a:t>13-3-2016</a:t>
+              <a:t>14-10-2018</a:t>
             </a:fld>
             <a:endParaRPr lang="nl-NL"/>
           </a:p>
@@ -1042,7 +1051,7 @@
             <a:fld id="{727BD2AF-9C77-4256-BC44-28E620F1C4BA}" type="slidenum">
               <a:rPr lang="nl-NL" smtClean="0"/>
               <a:pPr/>
-              <a:t>‹nr.›</a:t>
+              <a:t>‹#›</a:t>
             </a:fld>
             <a:endParaRPr lang="nl-NL"/>
           </a:p>
@@ -1089,10 +1098,9 @@
           <a:lstStyle/>
           <a:p>
             <a:r>
-              <a:rPr lang="nl-NL" smtClean="0"/>
+              <a:rPr lang="nl-NL"/>
               <a:t>Klik om de stijl te bewerken</a:t>
             </a:r>
-            <a:endParaRPr lang="nl-NL"/>
           </a:p>
         </p:txBody>
       </p:sp>
@@ -1113,38 +1121,37 @@
           <a:p>
             <a:pPr lvl="0"/>
             <a:r>
-              <a:rPr lang="nl-NL" smtClean="0"/>
+              <a:rPr lang="nl-NL"/>
               <a:t>Klik om de modelstijlen te bewerken</a:t>
             </a:r>
           </a:p>
           <a:p>
             <a:pPr lvl="1"/>
             <a:r>
-              <a:rPr lang="nl-NL" smtClean="0"/>
+              <a:rPr lang="nl-NL"/>
               <a:t>Tweede niveau</a:t>
             </a:r>
           </a:p>
           <a:p>
             <a:pPr lvl="2"/>
             <a:r>
-              <a:rPr lang="nl-NL" smtClean="0"/>
+              <a:rPr lang="nl-NL"/>
               <a:t>Derde niveau</a:t>
             </a:r>
           </a:p>
           <a:p>
             <a:pPr lvl="3"/>
             <a:r>
-              <a:rPr lang="nl-NL" smtClean="0"/>
+              <a:rPr lang="nl-NL"/>
               <a:t>Vierde niveau</a:t>
             </a:r>
           </a:p>
           <a:p>
             <a:pPr lvl="4"/>
             <a:r>
-              <a:rPr lang="nl-NL" smtClean="0"/>
+              <a:rPr lang="nl-NL"/>
               <a:t>Vijfde niveau</a:t>
             </a:r>
-            <a:endParaRPr lang="nl-NL"/>
           </a:p>
         </p:txBody>
       </p:sp>
@@ -1166,7 +1173,7 @@
             <a:fld id="{96BAE843-BE96-40CB-B634-F63C679A4CF5}" type="datetimeFigureOut">
               <a:rPr lang="nl-NL" smtClean="0"/>
               <a:pPr/>
-              <a:t>13-3-2016</a:t>
+              <a:t>14-10-2018</a:t>
             </a:fld>
             <a:endParaRPr lang="nl-NL"/>
           </a:p>
@@ -1209,7 +1216,7 @@
             <a:fld id="{727BD2AF-9C77-4256-BC44-28E620F1C4BA}" type="slidenum">
               <a:rPr lang="nl-NL" smtClean="0"/>
               <a:pPr/>
-              <a:t>‹nr.›</a:t>
+              <a:t>‹#›</a:t>
             </a:fld>
             <a:endParaRPr lang="nl-NL"/>
           </a:p>
@@ -1265,10 +1272,9 @@
           </a:lstStyle>
           <a:p>
             <a:r>
-              <a:rPr lang="nl-NL" smtClean="0"/>
+              <a:rPr lang="nl-NL"/>
               <a:t>Klik om de stijl te bewerken</a:t>
             </a:r>
-            <a:endParaRPr lang="nl-NL"/>
           </a:p>
         </p:txBody>
       </p:sp>
@@ -1385,7 +1391,7 @@
           <a:p>
             <a:pPr lvl="0"/>
             <a:r>
-              <a:rPr lang="nl-NL" smtClean="0"/>
+              <a:rPr lang="nl-NL"/>
               <a:t>Klik om de modelstijlen te bewerken</a:t>
             </a:r>
           </a:p>
@@ -1409,7 +1415,7 @@
             <a:fld id="{96BAE843-BE96-40CB-B634-F63C679A4CF5}" type="datetimeFigureOut">
               <a:rPr lang="nl-NL" smtClean="0"/>
               <a:pPr/>
-              <a:t>13-3-2016</a:t>
+              <a:t>14-10-2018</a:t>
             </a:fld>
             <a:endParaRPr lang="nl-NL"/>
           </a:p>
@@ -1452,7 +1458,7 @@
             <a:fld id="{727BD2AF-9C77-4256-BC44-28E620F1C4BA}" type="slidenum">
               <a:rPr lang="nl-NL" smtClean="0"/>
               <a:pPr/>
-              <a:t>‹nr.›</a:t>
+              <a:t>‹#›</a:t>
             </a:fld>
             <a:endParaRPr lang="nl-NL"/>
           </a:p>
@@ -1499,10 +1505,9 @@
           <a:lstStyle/>
           <a:p>
             <a:r>
-              <a:rPr lang="nl-NL" smtClean="0"/>
+              <a:rPr lang="nl-NL"/>
               <a:t>Klik om de stijl te bewerken</a:t>
             </a:r>
-            <a:endParaRPr lang="nl-NL"/>
           </a:p>
         </p:txBody>
       </p:sp>
@@ -1556,38 +1561,37 @@
           <a:p>
             <a:pPr lvl="0"/>
             <a:r>
-              <a:rPr lang="nl-NL" smtClean="0"/>
+              <a:rPr lang="nl-NL"/>
               <a:t>Klik om de modelstijlen te bewerken</a:t>
             </a:r>
           </a:p>
           <a:p>
             <a:pPr lvl="1"/>
             <a:r>
-              <a:rPr lang="nl-NL" smtClean="0"/>
+              <a:rPr lang="nl-NL"/>
               <a:t>Tweede niveau</a:t>
             </a:r>
           </a:p>
           <a:p>
             <a:pPr lvl="2"/>
             <a:r>
-              <a:rPr lang="nl-NL" smtClean="0"/>
+              <a:rPr lang="nl-NL"/>
               <a:t>Derde niveau</a:t>
             </a:r>
           </a:p>
           <a:p>
             <a:pPr lvl="3"/>
             <a:r>
-              <a:rPr lang="nl-NL" smtClean="0"/>
+              <a:rPr lang="nl-NL"/>
               <a:t>Vierde niveau</a:t>
             </a:r>
           </a:p>
           <a:p>
             <a:pPr lvl="4"/>
             <a:r>
-              <a:rPr lang="nl-NL" smtClean="0"/>
+              <a:rPr lang="nl-NL"/>
               <a:t>Vijfde niveau</a:t>
             </a:r>
-            <a:endParaRPr lang="nl-NL"/>
           </a:p>
         </p:txBody>
       </p:sp>
@@ -1641,38 +1645,37 @@
           <a:p>
             <a:pPr lvl="0"/>
             <a:r>
-              <a:rPr lang="nl-NL" smtClean="0"/>
+              <a:rPr lang="nl-NL"/>
               <a:t>Klik om de modelstijlen te bewerken</a:t>
             </a:r>
           </a:p>
           <a:p>
             <a:pPr lvl="1"/>
             <a:r>
-              <a:rPr lang="nl-NL" smtClean="0"/>
+              <a:rPr lang="nl-NL"/>
               <a:t>Tweede niveau</a:t>
             </a:r>
           </a:p>
           <a:p>
             <a:pPr lvl="2"/>
             <a:r>
-              <a:rPr lang="nl-NL" smtClean="0"/>
+              <a:rPr lang="nl-NL"/>
               <a:t>Derde niveau</a:t>
             </a:r>
           </a:p>
           <a:p>
             <a:pPr lvl="3"/>
             <a:r>
-              <a:rPr lang="nl-NL" smtClean="0"/>
+              <a:rPr lang="nl-NL"/>
               <a:t>Vierde niveau</a:t>
             </a:r>
           </a:p>
           <a:p>
             <a:pPr lvl="4"/>
             <a:r>
-              <a:rPr lang="nl-NL" smtClean="0"/>
+              <a:rPr lang="nl-NL"/>
               <a:t>Vijfde niveau</a:t>
             </a:r>
-            <a:endParaRPr lang="nl-NL"/>
           </a:p>
         </p:txBody>
       </p:sp>
@@ -1694,7 +1697,7 @@
             <a:fld id="{96BAE843-BE96-40CB-B634-F63C679A4CF5}" type="datetimeFigureOut">
               <a:rPr lang="nl-NL" smtClean="0"/>
               <a:pPr/>
-              <a:t>13-3-2016</a:t>
+              <a:t>14-10-2018</a:t>
             </a:fld>
             <a:endParaRPr lang="nl-NL"/>
           </a:p>
@@ -1737,7 +1740,7 @@
             <a:fld id="{727BD2AF-9C77-4256-BC44-28E620F1C4BA}" type="slidenum">
               <a:rPr lang="nl-NL" smtClean="0"/>
               <a:pPr/>
-              <a:t>‹nr.›</a:t>
+              <a:t>‹#›</a:t>
             </a:fld>
             <a:endParaRPr lang="nl-NL"/>
           </a:p>
@@ -1788,10 +1791,9 @@
           </a:lstStyle>
           <a:p>
             <a:r>
-              <a:rPr lang="nl-NL" smtClean="0"/>
+              <a:rPr lang="nl-NL"/>
               <a:t>Klik om de stijl te bewerken</a:t>
             </a:r>
-            <a:endParaRPr lang="nl-NL"/>
           </a:p>
         </p:txBody>
       </p:sp>
@@ -1854,7 +1856,7 @@
           <a:p>
             <a:pPr lvl="0"/>
             <a:r>
-              <a:rPr lang="nl-NL" smtClean="0"/>
+              <a:rPr lang="nl-NL"/>
               <a:t>Klik om de modelstijlen te bewerken</a:t>
             </a:r>
           </a:p>
@@ -1910,38 +1912,37 @@
           <a:p>
             <a:pPr lvl="0"/>
             <a:r>
-              <a:rPr lang="nl-NL" smtClean="0"/>
+              <a:rPr lang="nl-NL"/>
               <a:t>Klik om de modelstijlen te bewerken</a:t>
             </a:r>
           </a:p>
           <a:p>
             <a:pPr lvl="1"/>
             <a:r>
-              <a:rPr lang="nl-NL" smtClean="0"/>
+              <a:rPr lang="nl-NL"/>
               <a:t>Tweede niveau</a:t>
             </a:r>
           </a:p>
           <a:p>
             <a:pPr lvl="2"/>
             <a:r>
-              <a:rPr lang="nl-NL" smtClean="0"/>
+              <a:rPr lang="nl-NL"/>
               <a:t>Derde niveau</a:t>
             </a:r>
           </a:p>
           <a:p>
             <a:pPr lvl="3"/>
             <a:r>
-              <a:rPr lang="nl-NL" smtClean="0"/>
+              <a:rPr lang="nl-NL"/>
               <a:t>Vierde niveau</a:t>
             </a:r>
           </a:p>
           <a:p>
             <a:pPr lvl="4"/>
             <a:r>
-              <a:rPr lang="nl-NL" smtClean="0"/>
+              <a:rPr lang="nl-NL"/>
               <a:t>Vijfde niveau</a:t>
             </a:r>
-            <a:endParaRPr lang="nl-NL"/>
           </a:p>
         </p:txBody>
       </p:sp>
@@ -2004,7 +2005,7 @@
           <a:p>
             <a:pPr lvl="0"/>
             <a:r>
-              <a:rPr lang="nl-NL" smtClean="0"/>
+              <a:rPr lang="nl-NL"/>
               <a:t>Klik om de modelstijlen te bewerken</a:t>
             </a:r>
           </a:p>
@@ -2060,38 +2061,37 @@
           <a:p>
             <a:pPr lvl="0"/>
             <a:r>
-              <a:rPr lang="nl-NL" smtClean="0"/>
+              <a:rPr lang="nl-NL"/>
               <a:t>Klik om de modelstijlen te bewerken</a:t>
             </a:r>
           </a:p>
           <a:p>
             <a:pPr lvl="1"/>
             <a:r>
-              <a:rPr lang="nl-NL" smtClean="0"/>
+              <a:rPr lang="nl-NL"/>
               <a:t>Tweede niveau</a:t>
             </a:r>
           </a:p>
           <a:p>
             <a:pPr lvl="2"/>
             <a:r>
-              <a:rPr lang="nl-NL" smtClean="0"/>
+              <a:rPr lang="nl-NL"/>
               <a:t>Derde niveau</a:t>
             </a:r>
           </a:p>
           <a:p>
             <a:pPr lvl="3"/>
             <a:r>
-              <a:rPr lang="nl-NL" smtClean="0"/>
+              <a:rPr lang="nl-NL"/>
               <a:t>Vierde niveau</a:t>
             </a:r>
           </a:p>
           <a:p>
             <a:pPr lvl="4"/>
             <a:r>
-              <a:rPr lang="nl-NL" smtClean="0"/>
+              <a:rPr lang="nl-NL"/>
               <a:t>Vijfde niveau</a:t>
             </a:r>
-            <a:endParaRPr lang="nl-NL"/>
           </a:p>
         </p:txBody>
       </p:sp>
@@ -2113,7 +2113,7 @@
             <a:fld id="{96BAE843-BE96-40CB-B634-F63C679A4CF5}" type="datetimeFigureOut">
               <a:rPr lang="nl-NL" smtClean="0"/>
               <a:pPr/>
-              <a:t>13-3-2016</a:t>
+              <a:t>14-10-2018</a:t>
             </a:fld>
             <a:endParaRPr lang="nl-NL"/>
           </a:p>
@@ -2156,7 +2156,7 @@
             <a:fld id="{727BD2AF-9C77-4256-BC44-28E620F1C4BA}" type="slidenum">
               <a:rPr lang="nl-NL" smtClean="0"/>
               <a:pPr/>
-              <a:t>‹nr.›</a:t>
+              <a:t>‹#›</a:t>
             </a:fld>
             <a:endParaRPr lang="nl-NL"/>
           </a:p>
@@ -2203,10 +2203,9 @@
           <a:lstStyle/>
           <a:p>
             <a:r>
-              <a:rPr lang="nl-NL" smtClean="0"/>
+              <a:rPr lang="nl-NL"/>
               <a:t>Klik om de stijl te bewerken</a:t>
             </a:r>
-            <a:endParaRPr lang="nl-NL"/>
           </a:p>
         </p:txBody>
       </p:sp>
@@ -2228,7 +2227,7 @@
             <a:fld id="{96BAE843-BE96-40CB-B634-F63C679A4CF5}" type="datetimeFigureOut">
               <a:rPr lang="nl-NL" smtClean="0"/>
               <a:pPr/>
-              <a:t>13-3-2016</a:t>
+              <a:t>14-10-2018</a:t>
             </a:fld>
             <a:endParaRPr lang="nl-NL"/>
           </a:p>
@@ -2271,7 +2270,7 @@
             <a:fld id="{727BD2AF-9C77-4256-BC44-28E620F1C4BA}" type="slidenum">
               <a:rPr lang="nl-NL" smtClean="0"/>
               <a:pPr/>
-              <a:t>‹nr.›</a:t>
+              <a:t>‹#›</a:t>
             </a:fld>
             <a:endParaRPr lang="nl-NL"/>
           </a:p>
@@ -2320,7 +2319,7 @@
             <a:fld id="{96BAE843-BE96-40CB-B634-F63C679A4CF5}" type="datetimeFigureOut">
               <a:rPr lang="nl-NL" smtClean="0"/>
               <a:pPr/>
-              <a:t>13-3-2016</a:t>
+              <a:t>14-10-2018</a:t>
             </a:fld>
             <a:endParaRPr lang="nl-NL"/>
           </a:p>
@@ -2363,7 +2362,7 @@
             <a:fld id="{727BD2AF-9C77-4256-BC44-28E620F1C4BA}" type="slidenum">
               <a:rPr lang="nl-NL" smtClean="0"/>
               <a:pPr/>
-              <a:t>‹nr.›</a:t>
+              <a:t>‹#›</a:t>
             </a:fld>
             <a:endParaRPr lang="nl-NL"/>
           </a:p>
@@ -2419,10 +2418,9 @@
           </a:lstStyle>
           <a:p>
             <a:r>
-              <a:rPr lang="nl-NL" smtClean="0"/>
+              <a:rPr lang="nl-NL"/>
               <a:t>Klik om de stijl te bewerken</a:t>
             </a:r>
-            <a:endParaRPr lang="nl-NL"/>
           </a:p>
         </p:txBody>
       </p:sp>
@@ -2476,38 +2474,37 @@
           <a:p>
             <a:pPr lvl="0"/>
             <a:r>
-              <a:rPr lang="nl-NL" smtClean="0"/>
+              <a:rPr lang="nl-NL"/>
               <a:t>Klik om de modelstijlen te bewerken</a:t>
             </a:r>
           </a:p>
           <a:p>
             <a:pPr lvl="1"/>
             <a:r>
-              <a:rPr lang="nl-NL" smtClean="0"/>
+              <a:rPr lang="nl-NL"/>
               <a:t>Tweede niveau</a:t>
             </a:r>
           </a:p>
           <a:p>
             <a:pPr lvl="2"/>
             <a:r>
-              <a:rPr lang="nl-NL" smtClean="0"/>
+              <a:rPr lang="nl-NL"/>
               <a:t>Derde niveau</a:t>
             </a:r>
           </a:p>
           <a:p>
             <a:pPr lvl="3"/>
             <a:r>
-              <a:rPr lang="nl-NL" smtClean="0"/>
+              <a:rPr lang="nl-NL"/>
               <a:t>Vierde niveau</a:t>
             </a:r>
           </a:p>
           <a:p>
             <a:pPr lvl="4"/>
             <a:r>
-              <a:rPr lang="nl-NL" smtClean="0"/>
+              <a:rPr lang="nl-NL"/>
               <a:t>Vijfde niveau</a:t>
             </a:r>
-            <a:endParaRPr lang="nl-NL"/>
           </a:p>
         </p:txBody>
       </p:sp>
@@ -2570,7 +2567,7 @@
           <a:p>
             <a:pPr lvl="0"/>
             <a:r>
-              <a:rPr lang="nl-NL" smtClean="0"/>
+              <a:rPr lang="nl-NL"/>
               <a:t>Klik om de modelstijlen te bewerken</a:t>
             </a:r>
           </a:p>
@@ -2594,7 +2591,7 @@
             <a:fld id="{96BAE843-BE96-40CB-B634-F63C679A4CF5}" type="datetimeFigureOut">
               <a:rPr lang="nl-NL" smtClean="0"/>
               <a:pPr/>
-              <a:t>13-3-2016</a:t>
+              <a:t>14-10-2018</a:t>
             </a:fld>
             <a:endParaRPr lang="nl-NL"/>
           </a:p>
@@ -2637,7 +2634,7 @@
             <a:fld id="{727BD2AF-9C77-4256-BC44-28E620F1C4BA}" type="slidenum">
               <a:rPr lang="nl-NL" smtClean="0"/>
               <a:pPr/>
-              <a:t>‹nr.›</a:t>
+              <a:t>‹#›</a:t>
             </a:fld>
             <a:endParaRPr lang="nl-NL"/>
           </a:p>
@@ -2693,10 +2690,9 @@
           </a:lstStyle>
           <a:p>
             <a:r>
-              <a:rPr lang="nl-NL" smtClean="0"/>
+              <a:rPr lang="nl-NL"/>
               <a:t>Klik om de stijl te bewerken</a:t>
             </a:r>
-            <a:endParaRPr lang="nl-NL"/>
           </a:p>
         </p:txBody>
       </p:sp>
@@ -2820,7 +2816,7 @@
           <a:p>
             <a:pPr lvl="0"/>
             <a:r>
-              <a:rPr lang="nl-NL" smtClean="0"/>
+              <a:rPr lang="nl-NL"/>
               <a:t>Klik om de modelstijlen te bewerken</a:t>
             </a:r>
           </a:p>
@@ -2844,7 +2840,7 @@
             <a:fld id="{96BAE843-BE96-40CB-B634-F63C679A4CF5}" type="datetimeFigureOut">
               <a:rPr lang="nl-NL" smtClean="0"/>
               <a:pPr/>
-              <a:t>13-3-2016</a:t>
+              <a:t>14-10-2018</a:t>
             </a:fld>
             <a:endParaRPr lang="nl-NL"/>
           </a:p>
@@ -2887,7 +2883,7 @@
             <a:fld id="{727BD2AF-9C77-4256-BC44-28E620F1C4BA}" type="slidenum">
               <a:rPr lang="nl-NL" smtClean="0"/>
               <a:pPr/>
-              <a:t>‹nr.›</a:t>
+              <a:t>‹#›</a:t>
             </a:fld>
             <a:endParaRPr lang="nl-NL"/>
           </a:p>
@@ -2949,10 +2945,9 @@
           <a:lstStyle/>
           <a:p>
             <a:r>
-              <a:rPr lang="nl-NL" smtClean="0"/>
+              <a:rPr lang="nl-NL"/>
               <a:t>Klik om de stijl te bewerken</a:t>
             </a:r>
-            <a:endParaRPr lang="nl-NL"/>
           </a:p>
         </p:txBody>
       </p:sp>
@@ -2983,38 +2978,37 @@
           <a:p>
             <a:pPr lvl="0"/>
             <a:r>
-              <a:rPr lang="nl-NL" smtClean="0"/>
+              <a:rPr lang="nl-NL"/>
               <a:t>Klik om de modelstijlen te bewerken</a:t>
             </a:r>
           </a:p>
           <a:p>
             <a:pPr lvl="1"/>
             <a:r>
-              <a:rPr lang="nl-NL" smtClean="0"/>
+              <a:rPr lang="nl-NL"/>
               <a:t>Tweede niveau</a:t>
             </a:r>
           </a:p>
           <a:p>
             <a:pPr lvl="2"/>
             <a:r>
-              <a:rPr lang="nl-NL" smtClean="0"/>
+              <a:rPr lang="nl-NL"/>
               <a:t>Derde niveau</a:t>
             </a:r>
           </a:p>
           <a:p>
             <a:pPr lvl="3"/>
             <a:r>
-              <a:rPr lang="nl-NL" smtClean="0"/>
+              <a:rPr lang="nl-NL"/>
               <a:t>Vierde niveau</a:t>
             </a:r>
           </a:p>
           <a:p>
             <a:pPr lvl="4"/>
             <a:r>
-              <a:rPr lang="nl-NL" smtClean="0"/>
+              <a:rPr lang="nl-NL"/>
               <a:t>Vijfde niveau</a:t>
             </a:r>
-            <a:endParaRPr lang="nl-NL"/>
           </a:p>
         </p:txBody>
       </p:sp>
@@ -3054,7 +3048,7 @@
             <a:fld id="{96BAE843-BE96-40CB-B634-F63C679A4CF5}" type="datetimeFigureOut">
               <a:rPr lang="nl-NL" smtClean="0"/>
               <a:pPr/>
-              <a:t>13-3-2016</a:t>
+              <a:t>14-10-2018</a:t>
             </a:fld>
             <a:endParaRPr lang="nl-NL"/>
           </a:p>
@@ -3133,7 +3127,7 @@
             <a:fld id="{727BD2AF-9C77-4256-BC44-28E620F1C4BA}" type="slidenum">
               <a:rPr lang="nl-NL" smtClean="0"/>
               <a:pPr/>
-              <a:t>‹nr.›</a:t>
+              <a:t>‹#›</a:t>
             </a:fld>
             <a:endParaRPr lang="nl-NL"/>
           </a:p>
@@ -3441,14 +3435,13 @@
           <a:lstStyle/>
           <a:p>
             <a:r>
-              <a:rPr lang="nl-NL" dirty="0" smtClean="0"/>
+              <a:rPr lang="nl-NL" dirty="0"/>
               <a:t>Energie Data</a:t>
             </a:r>
             <a:r>
-              <a:rPr lang="nl-NL" noProof="0" dirty="0" smtClean="0"/>
+              <a:rPr lang="nl-NL" noProof="0" dirty="0"/>
               <a:t> Logger  (PlaatEnergy)</a:t>
             </a:r>
-            <a:endParaRPr lang="nl-NL" noProof="0" dirty="0"/>
           </a:p>
         </p:txBody>
       </p:sp>
@@ -3478,10 +3471,9 @@
               <a:buNone/>
             </a:pPr>
             <a:r>
-              <a:rPr lang="nl-NL" sz="6400" noProof="0" dirty="0" smtClean="0"/>
+              <a:rPr lang="nl-NL" sz="6400" noProof="0" dirty="0"/>
               <a:t>Ing. W.B.J. van der Plaat</a:t>
             </a:r>
-            <a:endParaRPr lang="nl-NL" sz="6400" noProof="0" dirty="0"/>
           </a:p>
         </p:txBody>
       </p:sp>
@@ -3584,7 +3576,7 @@
               <a:defRPr/>
             </a:pPr>
             <a:r>
-              <a:rPr lang="nl-NL" sz="2400" dirty="0" smtClean="0">
+              <a:rPr lang="nl-NL" sz="2400" dirty="0">
                 <a:latin typeface="+mj-lt"/>
                 <a:ea typeface="+mj-ea"/>
                 <a:cs typeface="+mj-cs"/>
@@ -3592,7 +3584,7 @@
               <a:t>c</a:t>
             </a:r>
             <a:r>
-              <a:rPr kumimoji="0" lang="nl-NL" sz="2400" b="0" i="0" u="none" strike="noStrike" kern="1200" cap="none" spc="0" normalizeH="0" baseline="0" noProof="0" dirty="0" smtClean="0">
+              <a:rPr kumimoji="0" lang="nl-NL" sz="2400" b="0" i="0" u="none" strike="noStrike" kern="1200" cap="none" spc="0" normalizeH="0" baseline="0" noProof="0" dirty="0">
                 <a:ln>
                   <a:noFill/>
                 </a:ln>
@@ -3609,7 +3601,7 @@
               <a:t>hr. PKN</a:t>
             </a:r>
             <a:r>
-              <a:rPr kumimoji="0" lang="nl-NL" sz="2400" b="0" i="0" u="none" strike="noStrike" kern="1200" cap="none" spc="0" normalizeH="0" noProof="0" dirty="0" smtClean="0">
+              <a:rPr kumimoji="0" lang="nl-NL" sz="2400" b="0" i="0" u="none" strike="noStrike" kern="1200" cap="none" spc="0" normalizeH="0" noProof="0" dirty="0">
                 <a:ln>
                   <a:noFill/>
                 </a:ln>
@@ -3956,7 +3948,7 @@
       </p:grpSpPr>
       <p:pic>
         <p:nvPicPr>
-          <p:cNvPr id="4" name="Picture 3"/>
+          <p:cNvPr id="4" name="Content Placeholder 3"/>
           <p:cNvPicPr>
             <a:picLocks noGrp="1" noChangeAspect="1" noChangeArrowheads="1"/>
           </p:cNvPicPr>
@@ -4052,33 +4044,33 @@
           <a:p>
             <a:pPr algn="ctr"/>
             <a:r>
-              <a:rPr lang="en-US" dirty="0" smtClean="0"/>
+              <a:rPr lang="en-US" dirty="0"/>
               <a:t>Raspberry Pi</a:t>
             </a:r>
           </a:p>
           <a:p>
             <a:pPr algn="ctr"/>
-            <a:endParaRPr lang="en-US" dirty="0" smtClean="0"/>
+            <a:endParaRPr lang="en-US" dirty="0"/>
           </a:p>
           <a:p>
             <a:pPr algn="ctr"/>
             <a:r>
-              <a:rPr lang="en-US" sz="2400" dirty="0" err="1" smtClean="0"/>
+              <a:rPr lang="en-US" sz="2400" dirty="0"/>
               <a:t>PlaatEnergy</a:t>
             </a:r>
             <a:r>
-              <a:rPr lang="en-US" dirty="0" smtClean="0"/>
+              <a:rPr lang="en-US" dirty="0"/>
               <a:t> </a:t>
             </a:r>
           </a:p>
           <a:p>
             <a:pPr algn="ctr"/>
-            <a:endParaRPr lang="en-US" dirty="0" smtClean="0"/>
+            <a:endParaRPr lang="en-US" dirty="0"/>
           </a:p>
           <a:p>
             <a:pPr algn="ctr"/>
             <a:r>
-              <a:rPr lang="en-US" dirty="0" smtClean="0"/>
+              <a:rPr lang="en-US" dirty="0"/>
               <a:t>Sense Hat (Pi)</a:t>
             </a:r>
             <a:endParaRPr lang="nl-NL" dirty="0"/>
@@ -4124,14 +4116,14 @@
           <a:p>
             <a:pPr algn="ctr"/>
             <a:r>
-              <a:rPr lang="en-US" dirty="0" smtClean="0"/>
+              <a:rPr lang="en-US" dirty="0"/>
               <a:t>Solar </a:t>
             </a:r>
           </a:p>
           <a:p>
             <a:pPr algn="ctr"/>
             <a:r>
-              <a:rPr lang="en-US" dirty="0" smtClean="0"/>
+              <a:rPr lang="en-US" dirty="0"/>
               <a:t>Converter</a:t>
             </a:r>
             <a:endParaRPr lang="nl-NL" dirty="0"/>
@@ -4177,14 +4169,14 @@
           <a:p>
             <a:pPr algn="ctr"/>
             <a:r>
-              <a:rPr lang="en-US" dirty="0" smtClean="0"/>
+              <a:rPr lang="en-US" dirty="0"/>
               <a:t>Digital Energy</a:t>
             </a:r>
           </a:p>
           <a:p>
             <a:pPr algn="ctr"/>
             <a:r>
-              <a:rPr lang="en-US" dirty="0" smtClean="0"/>
+              <a:rPr lang="en-US" dirty="0"/>
               <a:t>Meter</a:t>
             </a:r>
           </a:p>
@@ -4229,14 +4221,14 @@
           <a:p>
             <a:pPr algn="ctr"/>
             <a:r>
-              <a:rPr lang="en-US" dirty="0" smtClean="0"/>
+              <a:rPr lang="en-US" dirty="0"/>
               <a:t>Digital Gas</a:t>
             </a:r>
           </a:p>
           <a:p>
             <a:pPr algn="ctr"/>
             <a:r>
-              <a:rPr lang="en-US" dirty="0" smtClean="0"/>
+              <a:rPr lang="en-US" dirty="0"/>
               <a:t>Meter</a:t>
             </a:r>
           </a:p>
@@ -4512,7 +4504,7 @@
           <a:p>
             <a:pPr algn="ctr"/>
             <a:r>
-              <a:rPr lang="en-US" dirty="0" smtClean="0"/>
+              <a:rPr lang="en-US" dirty="0"/>
               <a:t>Internet</a:t>
             </a:r>
             <a:endParaRPr lang="nl-NL" dirty="0"/>
@@ -4558,7 +4550,7 @@
           <a:p>
             <a:pPr algn="ctr"/>
             <a:r>
-              <a:rPr lang="en-US" dirty="0" smtClean="0"/>
+              <a:rPr lang="en-US" dirty="0"/>
               <a:t>Router</a:t>
             </a:r>
             <a:endParaRPr lang="nl-NL" dirty="0"/>
@@ -4788,7 +4780,7 @@
           <a:lstStyle/>
           <a:p>
             <a:r>
-              <a:rPr lang="en-US" sz="2400" dirty="0" smtClean="0"/>
+              <a:rPr lang="en-US" sz="2400" dirty="0"/>
               <a:t>General hardware view</a:t>
             </a:r>
             <a:endParaRPr lang="nl-NL" sz="2400" dirty="0"/>
@@ -4818,7 +4810,7 @@
           <a:lstStyle/>
           <a:p>
             <a:r>
-              <a:rPr lang="en-US" sz="1200" dirty="0" smtClean="0"/>
+              <a:rPr lang="en-US" sz="1200" dirty="0"/>
               <a:t>P1 cable</a:t>
             </a:r>
             <a:endParaRPr lang="nl-NL" sz="1200" dirty="0"/>
@@ -4849,21 +4841,21 @@
           <a:p>
             <a:pPr algn="ctr"/>
             <a:r>
-              <a:rPr lang="en-US" sz="1200" dirty="0" smtClean="0"/>
+              <a:rPr lang="en-US" sz="1200" dirty="0"/>
               <a:t>Ethernet </a:t>
             </a:r>
           </a:p>
           <a:p>
             <a:pPr algn="ctr"/>
             <a:r>
-              <a:rPr lang="en-US" sz="1200" dirty="0" smtClean="0"/>
+              <a:rPr lang="en-US" sz="1200" dirty="0"/>
               <a:t>or </a:t>
             </a:r>
           </a:p>
           <a:p>
             <a:pPr algn="ctr"/>
             <a:r>
-              <a:rPr lang="en-US" sz="1200" dirty="0" smtClean="0"/>
+              <a:rPr lang="en-US" sz="1200" dirty="0"/>
               <a:t>Wifi</a:t>
             </a:r>
             <a:endParaRPr lang="nl-NL" sz="1200" dirty="0"/>
@@ -4893,7 +4885,7 @@
           <a:lstStyle/>
           <a:p>
             <a:r>
-              <a:rPr lang="en-US" sz="1200" dirty="0" smtClean="0"/>
+              <a:rPr lang="en-US" sz="1200" dirty="0"/>
               <a:t>Wifi</a:t>
             </a:r>
             <a:endParaRPr lang="nl-NL" sz="1200" dirty="0"/>
@@ -5020,7 +5012,7 @@
           <a:lstStyle/>
           <a:p>
             <a:r>
-              <a:rPr lang="en-US" sz="1200" dirty="0" smtClean="0"/>
+              <a:rPr lang="en-US" sz="1200" dirty="0"/>
               <a:t>HDMI cable</a:t>
             </a:r>
             <a:endParaRPr lang="nl-NL" sz="1200" dirty="0"/>
@@ -5050,7 +5042,7 @@
           <a:lstStyle/>
           <a:p>
             <a:r>
-              <a:rPr lang="en-US" sz="1200" dirty="0" smtClean="0"/>
+              <a:rPr lang="en-US" sz="1200" dirty="0"/>
               <a:t>Bluetooth</a:t>
             </a:r>
             <a:endParaRPr lang="nl-NL" sz="1200" dirty="0"/>
@@ -5113,15 +5105,14 @@
           <a:p>
             <a:pPr algn="ctr"/>
             <a:r>
-              <a:rPr lang="en-US" sz="1200" dirty="0" err="1" smtClean="0"/>
+              <a:rPr lang="en-US" sz="1200" dirty="0"/>
               <a:t>PlaatEnergy</a:t>
             </a:r>
-            <a:endParaRPr lang="en-US" sz="1200" dirty="0" smtClean="0"/>
           </a:p>
           <a:p>
             <a:pPr algn="ctr"/>
             <a:r>
-              <a:rPr lang="en-US" sz="1200" dirty="0" smtClean="0"/>
+              <a:rPr lang="en-US" sz="1200" dirty="0"/>
               <a:t>Secure access on internet</a:t>
             </a:r>
             <a:endParaRPr lang="nl-NL" sz="1200" dirty="0"/>
@@ -5152,22 +5143,21 @@
           <a:p>
             <a:pPr algn="ctr"/>
             <a:r>
-              <a:rPr lang="en-US" sz="1200" dirty="0" err="1" smtClean="0"/>
+              <a:rPr lang="en-US" sz="1200" dirty="0"/>
               <a:t>PlaatEnergy</a:t>
             </a:r>
-            <a:endParaRPr lang="en-US" sz="1200" dirty="0" smtClean="0"/>
           </a:p>
           <a:p>
             <a:pPr algn="ctr"/>
             <a:r>
-              <a:rPr lang="en-US" sz="1200" dirty="0" smtClean="0"/>
+              <a:rPr lang="en-US" sz="1200" dirty="0"/>
               <a:t>Slide on attach</a:t>
             </a:r>
           </a:p>
           <a:p>
             <a:pPr algn="ctr"/>
             <a:r>
-              <a:rPr lang="en-US" sz="1200" dirty="0" smtClean="0"/>
+              <a:rPr lang="en-US" sz="1200" dirty="0"/>
               <a:t>monitor</a:t>
             </a:r>
             <a:endParaRPr lang="nl-NL" sz="1200" dirty="0"/>
@@ -5238,22 +5228,22 @@
           <a:p>
             <a:pPr algn="ctr"/>
             <a:r>
-              <a:rPr lang="en-US" dirty="0" smtClean="0"/>
-              <a:t>Raspberry Pi</a:t>
+              <a:rPr lang="en-US" dirty="0"/>
+              <a:t>Raspberry Pi 1</a:t>
             </a:r>
           </a:p>
           <a:p>
             <a:pPr algn="ctr"/>
-            <a:endParaRPr lang="en-US" dirty="0" smtClean="0"/>
+            <a:endParaRPr lang="en-US" dirty="0"/>
           </a:p>
           <a:p>
             <a:pPr algn="ctr"/>
             <a:r>
-              <a:rPr lang="en-US" sz="2400" dirty="0" err="1" smtClean="0"/>
+              <a:rPr lang="en-US" sz="2400" dirty="0"/>
               <a:t>PlaatEnergy</a:t>
             </a:r>
             <a:r>
-              <a:rPr lang="en-US" dirty="0" smtClean="0"/>
+              <a:rPr lang="en-US" dirty="0"/>
               <a:t> </a:t>
             </a:r>
           </a:p>
@@ -5301,14 +5291,14 @@
           <a:p>
             <a:pPr algn="ctr"/>
             <a:r>
-              <a:rPr lang="en-US" dirty="0" smtClean="0"/>
+              <a:rPr lang="en-US" dirty="0"/>
               <a:t>Solar </a:t>
             </a:r>
           </a:p>
           <a:p>
             <a:pPr algn="ctr"/>
             <a:r>
-              <a:rPr lang="en-US" dirty="0" smtClean="0"/>
+              <a:rPr lang="en-US" dirty="0"/>
               <a:t>Converter</a:t>
             </a:r>
             <a:endParaRPr lang="nl-NL" dirty="0"/>
@@ -5354,15 +5344,14 @@
           <a:p>
             <a:pPr algn="ctr"/>
             <a:r>
-              <a:rPr lang="en-US" dirty="0" err="1" smtClean="0"/>
+              <a:rPr lang="en-US" dirty="0"/>
               <a:t>Energie</a:t>
             </a:r>
-            <a:endParaRPr lang="en-US" dirty="0" smtClean="0"/>
           </a:p>
           <a:p>
             <a:pPr algn="ctr"/>
             <a:r>
-              <a:rPr lang="en-US" dirty="0" smtClean="0"/>
+              <a:rPr lang="en-US" dirty="0"/>
               <a:t>Meter 2</a:t>
             </a:r>
           </a:p>
@@ -5407,14 +5396,14 @@
           <a:p>
             <a:pPr algn="ctr"/>
             <a:r>
-              <a:rPr lang="en-US" dirty="0" smtClean="0"/>
+              <a:rPr lang="en-US" dirty="0"/>
               <a:t>Gas</a:t>
             </a:r>
           </a:p>
           <a:p>
             <a:pPr algn="ctr"/>
             <a:r>
-              <a:rPr lang="en-US" dirty="0" smtClean="0"/>
+              <a:rPr lang="en-US" dirty="0"/>
               <a:t>Meter 1 </a:t>
             </a:r>
           </a:p>
@@ -5551,13 +5540,15 @@
       <p:cxnSp>
         <p:nvCxnSpPr>
           <p:cNvPr id="24" name="Rechte verbindingslijn met pijl 23"/>
-          <p:cNvCxnSpPr/>
+          <p:cNvCxnSpPr>
+            <a:cxnSpLocks/>
+          </p:cNvCxnSpPr>
           <p:nvPr/>
         </p:nvCxnSpPr>
         <p:spPr>
           <a:xfrm>
-            <a:off x="6876256" y="1556792"/>
-            <a:ext cx="504056" cy="0"/>
+            <a:off x="6696236" y="1556792"/>
+            <a:ext cx="684076" cy="0"/>
           </a:xfrm>
           <a:prstGeom prst="straightConnector1">
             <a:avLst/>
@@ -5585,13 +5576,16 @@
       <p:cxnSp>
         <p:nvCxnSpPr>
           <p:cNvPr id="30" name="Rechte verbindingslijn met pijl 29"/>
-          <p:cNvCxnSpPr/>
+          <p:cNvCxnSpPr>
+            <a:cxnSpLocks/>
+            <a:endCxn id="5" idx="0"/>
+          </p:cNvCxnSpPr>
           <p:nvPr/>
         </p:nvCxnSpPr>
         <p:spPr>
           <a:xfrm>
-            <a:off x="6876256" y="1556792"/>
-            <a:ext cx="36004" cy="1656184"/>
+            <a:off x="6696236" y="1556792"/>
+            <a:ext cx="0" cy="1656184"/>
           </a:xfrm>
           <a:prstGeom prst="straightConnector1">
             <a:avLst/>
@@ -5690,14 +5684,14 @@
           <a:p>
             <a:pPr algn="ctr"/>
             <a:r>
-              <a:rPr lang="en-US" dirty="0" smtClean="0"/>
+              <a:rPr lang="en-US" dirty="0"/>
               <a:t>Solar </a:t>
             </a:r>
           </a:p>
           <a:p>
             <a:pPr algn="ctr"/>
             <a:r>
-              <a:rPr lang="en-US" dirty="0" smtClean="0"/>
+              <a:rPr lang="en-US" dirty="0"/>
               <a:t>Converter</a:t>
             </a:r>
             <a:endParaRPr lang="nl-NL" dirty="0"/>
@@ -5743,14 +5737,14 @@
           <a:p>
             <a:pPr algn="ctr"/>
             <a:r>
-              <a:rPr lang="en-US" dirty="0" smtClean="0"/>
+              <a:rPr lang="en-US" dirty="0"/>
               <a:t>Solar </a:t>
             </a:r>
           </a:p>
           <a:p>
             <a:pPr algn="ctr"/>
             <a:r>
-              <a:rPr lang="en-US" dirty="0" smtClean="0"/>
+              <a:rPr lang="en-US" dirty="0"/>
               <a:t>Converter</a:t>
             </a:r>
             <a:endParaRPr lang="nl-NL" dirty="0"/>
@@ -5930,7 +5924,7 @@
           <a:p>
             <a:pPr algn="ctr"/>
             <a:r>
-              <a:rPr lang="en-US" dirty="0" smtClean="0"/>
+              <a:rPr lang="en-US" dirty="0"/>
               <a:t>Internet</a:t>
             </a:r>
             <a:endParaRPr lang="nl-NL" dirty="0"/>
@@ -5976,7 +5970,7 @@
           <a:p>
             <a:pPr algn="ctr"/>
             <a:r>
-              <a:rPr lang="en-US" dirty="0" smtClean="0"/>
+              <a:rPr lang="en-US" dirty="0"/>
               <a:t>Router</a:t>
             </a:r>
             <a:endParaRPr lang="nl-NL" dirty="0"/>
@@ -6124,14 +6118,15 @@
         <p:nvCxnSpPr>
           <p:cNvPr id="62" name="Rechte verbindingslijn met pijl 61"/>
           <p:cNvCxnSpPr>
+            <a:cxnSpLocks/>
             <a:endCxn id="50" idx="3"/>
           </p:cNvCxnSpPr>
           <p:nvPr/>
         </p:nvCxnSpPr>
         <p:spPr>
           <a:xfrm flipH="1">
-            <a:off x="3419872" y="4077072"/>
-            <a:ext cx="2304256" cy="40650"/>
+            <a:off x="3419872" y="4103370"/>
+            <a:ext cx="2295128" cy="14352"/>
           </a:xfrm>
           <a:prstGeom prst="straightConnector1">
             <a:avLst/>
@@ -6254,7 +6249,7 @@
         </p:nvSpPr>
         <p:spPr>
           <a:xfrm>
-            <a:off x="251520" y="188640"/>
+            <a:off x="122362" y="165928"/>
             <a:ext cx="5112568" cy="461665"/>
           </a:xfrm>
           <a:prstGeom prst="rect">
@@ -6269,16 +6264,8 @@
           <a:lstStyle/>
           <a:p>
             <a:r>
-              <a:rPr lang="en-US" sz="2400" dirty="0" smtClean="0"/>
-              <a:t>Data Logger – Oostpoort - </a:t>
-            </a:r>
-            <a:r>
-              <a:rPr lang="en-US" sz="2400" dirty="0" err="1" smtClean="0"/>
-              <a:t>Optie</a:t>
-            </a:r>
-            <a:r>
-              <a:rPr lang="en-US" sz="2400" dirty="0" smtClean="0"/>
-              <a:t> 1</a:t>
+              <a:rPr lang="en-US" sz="2400" dirty="0"/>
+              <a:t>Energie Data Logger – Oostpoort </a:t>
             </a:r>
             <a:endParaRPr lang="nl-NL" sz="2400" dirty="0"/>
           </a:p>
@@ -6292,7 +6279,7 @@
         </p:nvSpPr>
         <p:spPr>
           <a:xfrm rot="16200000">
-            <a:off x="6501617" y="2075447"/>
+            <a:off x="6294792" y="2056003"/>
             <a:ext cx="1026277" cy="276999"/>
           </a:xfrm>
           <a:prstGeom prst="rect">
@@ -6307,12 +6294,8 @@
           <a:lstStyle/>
           <a:p>
             <a:r>
-              <a:rPr lang="en-US" sz="1200" dirty="0" smtClean="0"/>
-              <a:t>P1 </a:t>
-            </a:r>
-            <a:r>
-              <a:rPr lang="en-US" sz="1200" dirty="0" err="1" smtClean="0"/>
-              <a:t>kabel</a:t>
+              <a:rPr lang="en-US" sz="1200" dirty="0"/>
+              <a:t>P1 kabel</a:t>
             </a:r>
             <a:endParaRPr lang="nl-NL" sz="1200" dirty="0"/>
           </a:p>
@@ -6326,7 +6309,7 @@
         </p:nvSpPr>
         <p:spPr>
           <a:xfrm>
-            <a:off x="4067944" y="3789040"/>
+            <a:off x="4125094" y="3878904"/>
             <a:ext cx="1224136" cy="276999"/>
           </a:xfrm>
           <a:prstGeom prst="rect">
@@ -6341,8 +6324,8 @@
           <a:lstStyle/>
           <a:p>
             <a:r>
-              <a:rPr lang="en-US" sz="1200" dirty="0" smtClean="0"/>
-              <a:t>Ethernet of Wifi</a:t>
+              <a:rPr lang="en-US" sz="1200" dirty="0"/>
+              <a:t>Ethernet</a:t>
             </a:r>
             <a:endParaRPr lang="nl-NL" sz="1200" dirty="0"/>
           </a:p>
@@ -6356,7 +6339,7 @@
         </p:nvSpPr>
         <p:spPr>
           <a:xfrm>
-            <a:off x="3707904" y="3212976"/>
+            <a:off x="3397977" y="3443895"/>
             <a:ext cx="576064" cy="276999"/>
           </a:xfrm>
           <a:prstGeom prst="rect">
@@ -6371,7 +6354,7 @@
           <a:lstStyle/>
           <a:p>
             <a:r>
-              <a:rPr lang="en-US" sz="1200" dirty="0" smtClean="0"/>
+              <a:rPr lang="en-US" sz="1200" dirty="0"/>
               <a:t>Wifi</a:t>
             </a:r>
             <a:endParaRPr lang="nl-NL" sz="1200" dirty="0"/>
@@ -6386,7 +6369,7 @@
         </p:nvSpPr>
         <p:spPr>
           <a:xfrm>
-            <a:off x="2483768" y="3212976"/>
+            <a:off x="2591156" y="3453152"/>
             <a:ext cx="576064" cy="276999"/>
           </a:xfrm>
           <a:prstGeom prst="rect">
@@ -6401,7 +6384,7 @@
           <a:lstStyle/>
           <a:p>
             <a:r>
-              <a:rPr lang="en-US" sz="1200" dirty="0" smtClean="0"/>
+              <a:rPr lang="en-US" sz="1200" dirty="0"/>
               <a:t>Wifi</a:t>
             </a:r>
             <a:endParaRPr lang="nl-NL" sz="1200" dirty="0"/>
@@ -6416,7 +6399,7 @@
         </p:nvSpPr>
         <p:spPr>
           <a:xfrm>
-            <a:off x="1403648" y="3212976"/>
+            <a:off x="1634756" y="3505784"/>
             <a:ext cx="576064" cy="276999"/>
           </a:xfrm>
           <a:prstGeom prst="rect">
@@ -6431,7 +6414,7 @@
           <a:lstStyle/>
           <a:p>
             <a:r>
-              <a:rPr lang="en-US" sz="1200" dirty="0" smtClean="0"/>
+              <a:rPr lang="en-US" sz="1200" dirty="0"/>
               <a:t>Wifi</a:t>
             </a:r>
             <a:endParaRPr lang="nl-NL" sz="1200" dirty="0"/>
@@ -6504,14 +6487,15 @@
         <p:nvCxnSpPr>
           <p:cNvPr id="112" name="Rechte verbindingslijn met pijl 111"/>
           <p:cNvCxnSpPr>
-            <a:stCxn id="5" idx="2"/>
+            <a:cxnSpLocks/>
+            <a:stCxn id="56" idx="3"/>
           </p:cNvCxnSpPr>
           <p:nvPr/>
         </p:nvCxnSpPr>
         <p:spPr>
           <a:xfrm>
-            <a:off x="6696236" y="4505638"/>
-            <a:ext cx="972108" cy="507539"/>
+            <a:off x="5940152" y="5689123"/>
+            <a:ext cx="860818" cy="0"/>
           </a:xfrm>
           <a:prstGeom prst="straightConnector1">
             <a:avLst/>
@@ -6543,7 +6527,7 @@
         </p:nvSpPr>
         <p:spPr>
           <a:xfrm>
-            <a:off x="7380312" y="4581128"/>
+            <a:off x="5906847" y="5430708"/>
             <a:ext cx="936104" cy="276999"/>
           </a:xfrm>
           <a:prstGeom prst="rect">
@@ -6558,12 +6542,8 @@
           <a:lstStyle/>
           <a:p>
             <a:r>
-              <a:rPr lang="en-US" sz="1200" dirty="0" smtClean="0"/>
-              <a:t>HDMI </a:t>
-            </a:r>
-            <a:r>
-              <a:rPr lang="en-US" sz="1200" dirty="0" err="1" smtClean="0"/>
-              <a:t>kabel</a:t>
+              <a:rPr lang="en-US" sz="1200" dirty="0"/>
+              <a:t>HDMI kabel</a:t>
             </a:r>
             <a:endParaRPr lang="nl-NL" sz="1200" dirty="0"/>
           </a:p>
@@ -6592,7 +6572,7 @@
           <a:lstStyle/>
           <a:p>
             <a:r>
-              <a:rPr lang="en-US" sz="1200" dirty="0" smtClean="0"/>
+              <a:rPr lang="en-US" sz="1200" dirty="0"/>
               <a:t>Bluetooth</a:t>
             </a:r>
             <a:endParaRPr lang="nl-NL" sz="1200" dirty="0"/>
@@ -6616,8 +6596,8 @@
         </p:blipFill>
         <p:spPr bwMode="auto">
           <a:xfrm>
-            <a:off x="6821500" y="5013176"/>
-            <a:ext cx="1716192" cy="1008112"/>
+            <a:off x="6804248" y="5032815"/>
+            <a:ext cx="1730891" cy="988472"/>
           </a:xfrm>
           <a:prstGeom prst="rect">
             <a:avLst/>
@@ -6640,7 +6620,7 @@
         <p:spPr>
           <a:xfrm>
             <a:off x="2051720" y="5517232"/>
-            <a:ext cx="1224136" cy="646331"/>
+            <a:ext cx="1224136" cy="830997"/>
           </a:xfrm>
           <a:prstGeom prst="rect">
             <a:avLst/>
@@ -6655,26 +6635,32 @@
           <a:p>
             <a:pPr algn="ctr"/>
             <a:r>
-              <a:rPr lang="en-US" sz="1200" dirty="0" err="1" smtClean="0"/>
+              <a:rPr lang="en-US" sz="1200" dirty="0"/>
               <a:t>PlaatEnergy</a:t>
             </a:r>
-            <a:endParaRPr lang="en-US" sz="1200" dirty="0" smtClean="0"/>
           </a:p>
           <a:p>
             <a:pPr algn="ctr"/>
             <a:r>
-              <a:rPr lang="en-US" sz="1200" dirty="0" err="1" smtClean="0"/>
-              <a:t>Bereikbaar</a:t>
-            </a:r>
-            <a:r>
-              <a:rPr lang="en-US" sz="1200" dirty="0" smtClean="0"/>
+              <a:rPr lang="en-US" sz="1200" dirty="0"/>
+              <a:t>PlaatSign</a:t>
+            </a:r>
+          </a:p>
+          <a:p>
+            <a:pPr algn="ctr"/>
+            <a:r>
+              <a:rPr lang="en-US" sz="1200" dirty="0" err="1"/>
+              <a:t>bereikbaar</a:t>
+            </a:r>
+            <a:r>
+              <a:rPr lang="en-US" sz="1200" dirty="0"/>
               <a:t> via</a:t>
             </a:r>
           </a:p>
           <a:p>
             <a:pPr algn="ctr"/>
             <a:r>
-              <a:rPr lang="en-US" sz="1200" dirty="0" smtClean="0"/>
+              <a:rPr lang="en-US" sz="1200" dirty="0"/>
               <a:t>internet</a:t>
             </a:r>
             <a:endParaRPr lang="nl-NL" sz="1200" dirty="0"/>
@@ -6683,14 +6669,14 @@
       </p:sp>
       <p:sp>
         <p:nvSpPr>
-          <p:cNvPr id="121" name="Tekstvak 120"/>
+          <p:cNvPr id="122" name="Tekstvak 121"/>
           <p:cNvSpPr txBox="1"/>
           <p:nvPr/>
         </p:nvSpPr>
         <p:spPr>
           <a:xfrm>
-            <a:off x="5436096" y="5013176"/>
-            <a:ext cx="1224136" cy="1015663"/>
+            <a:off x="107504" y="2924944"/>
+            <a:ext cx="1152128" cy="461665"/>
           </a:xfrm>
           <a:prstGeom prst="rect">
             <a:avLst/>
@@ -6703,43 +6689,15 @@
           </a:bodyPr>
           <a:lstStyle/>
           <a:p>
-            <a:pPr algn="ctr"/>
-            <a:r>
-              <a:rPr lang="en-US" sz="1200" dirty="0" err="1" smtClean="0"/>
-              <a:t>PlaatEnergy</a:t>
-            </a:r>
-            <a:endParaRPr lang="en-US" sz="1200" dirty="0" smtClean="0"/>
-          </a:p>
-          <a:p>
-            <a:pPr algn="ctr"/>
-            <a:r>
-              <a:rPr lang="en-US" sz="1200" dirty="0" smtClean="0"/>
-              <a:t>Slide show</a:t>
-            </a:r>
-          </a:p>
-          <a:p>
-            <a:pPr algn="ctr"/>
-            <a:r>
-              <a:rPr lang="en-US" sz="1200" dirty="0" smtClean="0"/>
-              <a:t>via </a:t>
-            </a:r>
-          </a:p>
-          <a:p>
-            <a:pPr algn="ctr"/>
-            <a:r>
-              <a:rPr lang="en-US" sz="1200" dirty="0" smtClean="0"/>
-              <a:t>monitor </a:t>
-            </a:r>
-          </a:p>
-          <a:p>
-            <a:pPr algn="ctr"/>
-            <a:r>
-              <a:rPr lang="en-US" sz="1200" dirty="0" smtClean="0"/>
-              <a:t>in </a:t>
-            </a:r>
-            <a:r>
-              <a:rPr lang="en-US" sz="1200" dirty="0" err="1" smtClean="0"/>
-              <a:t>hal</a:t>
+            <a:r>
+              <a:rPr lang="en-US" sz="1200" dirty="0"/>
+              <a:t>Hosola Bright </a:t>
+            </a:r>
+          </a:p>
+          <a:p>
+            <a:r>
+              <a:rPr lang="en-US" sz="1200" dirty="0"/>
+              <a:t>5000MTL-S</a:t>
             </a:r>
             <a:endParaRPr lang="nl-NL" sz="1200" dirty="0"/>
           </a:p>
@@ -6747,13 +6705,51 @@
       </p:sp>
       <p:sp>
         <p:nvSpPr>
-          <p:cNvPr id="122" name="Tekstvak 121"/>
+          <p:cNvPr id="63" name="Tekstvak 62"/>
           <p:cNvSpPr txBox="1"/>
           <p:nvPr/>
         </p:nvSpPr>
         <p:spPr>
           <a:xfrm>
-            <a:off x="107504" y="2924944"/>
+            <a:off x="7380312" y="908720"/>
+            <a:ext cx="1136850" cy="261610"/>
+          </a:xfrm>
+          <a:prstGeom prst="rect">
+            <a:avLst/>
+          </a:prstGeom>
+          <a:noFill/>
+        </p:spPr>
+        <p:txBody>
+          <a:bodyPr wrap="none" rtlCol="0">
+            <a:spAutoFit/>
+          </a:bodyPr>
+          <a:lstStyle/>
+          <a:p>
+            <a:r>
+              <a:rPr lang="en-US" sz="1100" dirty="0"/>
+              <a:t>Oostpoort (</a:t>
+            </a:r>
+            <a:r>
+              <a:rPr lang="en-US" sz="1100" dirty="0" err="1"/>
+              <a:t>kerk</a:t>
+            </a:r>
+            <a:r>
+              <a:rPr lang="en-US" sz="1100" dirty="0"/>
+              <a:t>)</a:t>
+            </a:r>
+            <a:endParaRPr lang="nl-NL" sz="1100" dirty="0"/>
+          </a:p>
+        </p:txBody>
+      </p:sp>
+      <p:sp>
+        <p:nvSpPr>
+          <p:cNvPr id="65" name="Tekstvak 64"/>
+          <p:cNvSpPr txBox="1"/>
+          <p:nvPr/>
+        </p:nvSpPr>
+        <p:spPr>
+          <a:xfrm>
+            <a:off x="1975148" y="2872391"/>
             <a:ext cx="1152128" cy="461665"/>
           </a:xfrm>
           <a:prstGeom prst="rect">
@@ -6768,13 +6764,13 @@
           <a:lstStyle/>
           <a:p>
             <a:r>
-              <a:rPr lang="en-US" sz="1200" dirty="0" smtClean="0"/>
+              <a:rPr lang="en-US" sz="1200" dirty="0"/>
               <a:t>Hosola Bright </a:t>
             </a:r>
           </a:p>
           <a:p>
             <a:r>
-              <a:rPr lang="en-US" sz="1200" dirty="0" smtClean="0"/>
+              <a:rPr lang="en-US" sz="1200" dirty="0"/>
               <a:t>5000MTL-S</a:t>
             </a:r>
             <a:endParaRPr lang="nl-NL" sz="1200" dirty="0"/>
@@ -6783,14 +6779,56 @@
       </p:sp>
       <p:sp>
         <p:nvSpPr>
-          <p:cNvPr id="46" name="Tekstvak 45"/>
+          <p:cNvPr id="66" name="Tekstvak 65"/>
           <p:cNvSpPr txBox="1"/>
           <p:nvPr/>
         </p:nvSpPr>
         <p:spPr>
           <a:xfrm>
-            <a:off x="5652120" y="476672"/>
-            <a:ext cx="1512168" cy="646331"/>
+            <a:off x="4537725" y="2882668"/>
+            <a:ext cx="1152128" cy="461665"/>
+          </a:xfrm>
+          <a:prstGeom prst="rect">
+            <a:avLst/>
+          </a:prstGeom>
+          <a:noFill/>
+        </p:spPr>
+        <p:txBody>
+          <a:bodyPr wrap="square" rtlCol="0">
+            <a:spAutoFit/>
+          </a:bodyPr>
+          <a:lstStyle/>
+          <a:p>
+            <a:r>
+              <a:rPr lang="en-US" sz="1200" dirty="0"/>
+              <a:t>Hosola Bright </a:t>
+            </a:r>
+          </a:p>
+          <a:p>
+            <a:r>
+              <a:rPr lang="en-US" sz="1200" dirty="0"/>
+              <a:t>5000MTL-S</a:t>
+            </a:r>
+            <a:endParaRPr lang="nl-NL" sz="1200" dirty="0"/>
+          </a:p>
+        </p:txBody>
+      </p:sp>
+      <p:sp>
+        <p:nvSpPr>
+          <p:cNvPr id="56" name="Tekstvak 4">
+            <a:extLst>
+              <a:ext uri="{FF2B5EF4-FFF2-40B4-BE49-F238E27FC236}">
+                <a16:creationId xmlns:a16="http://schemas.microsoft.com/office/drawing/2014/main" id="{F0E8EDD4-B9BE-47CE-BA65-C0A4317FC80C}"/>
+              </a:ext>
+            </a:extLst>
+          </p:cNvPr>
+          <p:cNvSpPr txBox="1"/>
+          <p:nvPr/>
+        </p:nvSpPr>
+        <p:spPr>
+          <a:xfrm>
+            <a:off x="3995936" y="5042792"/>
+            <a:ext cx="1944216" cy="1292662"/>
           </a:xfrm>
           <a:prstGeom prst="rect">
             <a:avLst/>
@@ -6820,30 +6858,46 @@
           <a:p>
             <a:pPr algn="ctr"/>
             <a:r>
-              <a:rPr lang="en-US" dirty="0" err="1" smtClean="0"/>
-              <a:t>Energie</a:t>
-            </a:r>
-            <a:endParaRPr lang="en-US" dirty="0" smtClean="0"/>
+              <a:rPr lang="en-US" dirty="0"/>
+              <a:t>Raspberry Pi 2</a:t>
+            </a:r>
           </a:p>
           <a:p>
             <a:pPr algn="ctr"/>
-            <a:r>
-              <a:rPr lang="en-US" dirty="0" smtClean="0"/>
-              <a:t>Meter 1</a:t>
-            </a:r>
+            <a:endParaRPr lang="en-US" dirty="0"/>
+          </a:p>
+          <a:p>
+            <a:pPr algn="ctr"/>
+            <a:r>
+              <a:rPr lang="en-US" sz="2400" dirty="0"/>
+              <a:t>PlaatSign</a:t>
+            </a:r>
+            <a:endParaRPr lang="en-US" dirty="0"/>
+          </a:p>
+          <a:p>
+            <a:endParaRPr lang="nl-NL" dirty="0"/>
           </a:p>
         </p:txBody>
       </p:sp>
       <p:cxnSp>
         <p:nvCxnSpPr>
-          <p:cNvPr id="54" name="Rechte verbindingslijn met pijl 53"/>
-          <p:cNvCxnSpPr/>
+          <p:cNvPr id="59" name="Rechte verbindingslijn met pijl 61">
+            <a:extLst>
+              <a:ext uri="{FF2B5EF4-FFF2-40B4-BE49-F238E27FC236}">
+                <a16:creationId xmlns:a16="http://schemas.microsoft.com/office/drawing/2014/main" id="{BE9365EE-B2DB-4962-B56D-8D0684D2982E}"/>
+              </a:ext>
+            </a:extLst>
+          </p:cNvPr>
+          <p:cNvCxnSpPr>
+            <a:cxnSpLocks/>
+            <a:stCxn id="56" idx="0"/>
+          </p:cNvCxnSpPr>
           <p:nvPr/>
         </p:nvCxnSpPr>
         <p:spPr>
-          <a:xfrm>
-            <a:off x="6228184" y="1124744"/>
-            <a:ext cx="0" cy="2088232"/>
+          <a:xfrm flipH="1" flipV="1">
+            <a:off x="3419872" y="4284260"/>
+            <a:ext cx="1548172" cy="758532"/>
           </a:xfrm>
           <a:prstGeom prst="straightConnector1">
             <a:avLst/>
@@ -6869,14 +6923,20 @@
       </p:cxnSp>
       <p:sp>
         <p:nvSpPr>
-          <p:cNvPr id="61" name="Tekstvak 60"/>
+          <p:cNvPr id="67" name="Tekstvak 87">
+            <a:extLst>
+              <a:ext uri="{FF2B5EF4-FFF2-40B4-BE49-F238E27FC236}">
+                <a16:creationId xmlns:a16="http://schemas.microsoft.com/office/drawing/2014/main" id="{A480426D-5B23-4FD6-B604-B38F87946376}"/>
+              </a:ext>
+            </a:extLst>
+          </p:cNvPr>
           <p:cNvSpPr txBox="1"/>
           <p:nvPr/>
         </p:nvSpPr>
         <p:spPr>
-          <a:xfrm rot="16200000">
-            <a:off x="5853545" y="2003439"/>
-            <a:ext cx="1026277" cy="276999"/>
+          <a:xfrm>
+            <a:off x="4283968" y="4509805"/>
+            <a:ext cx="1224136" cy="276999"/>
           </a:xfrm>
           <a:prstGeom prst="rect">
             <a:avLst/>
@@ -6890,160 +6950,8 @@
           <a:lstStyle/>
           <a:p>
             <a:r>
-              <a:rPr lang="en-US" sz="1200" dirty="0" smtClean="0"/>
-              <a:t>P1 </a:t>
-            </a:r>
-            <a:r>
-              <a:rPr lang="en-US" sz="1200" dirty="0" err="1" smtClean="0"/>
-              <a:t>kabel</a:t>
-            </a:r>
-            <a:endParaRPr lang="nl-NL" sz="1200" dirty="0"/>
-          </a:p>
-        </p:txBody>
-      </p:sp>
-      <p:sp>
-        <p:nvSpPr>
-          <p:cNvPr id="63" name="Tekstvak 62"/>
-          <p:cNvSpPr txBox="1"/>
-          <p:nvPr/>
-        </p:nvSpPr>
-        <p:spPr>
-          <a:xfrm>
-            <a:off x="7380312" y="908720"/>
-            <a:ext cx="1136850" cy="261610"/>
-          </a:xfrm>
-          <a:prstGeom prst="rect">
-            <a:avLst/>
-          </a:prstGeom>
-          <a:noFill/>
-        </p:spPr>
-        <p:txBody>
-          <a:bodyPr wrap="none" rtlCol="0">
-            <a:spAutoFit/>
-          </a:bodyPr>
-          <a:lstStyle/>
-          <a:p>
-            <a:r>
-              <a:rPr lang="en-US" sz="1100" dirty="0" smtClean="0"/>
-              <a:t>Oostpoort (</a:t>
-            </a:r>
-            <a:r>
-              <a:rPr lang="en-US" sz="1100" dirty="0" err="1" smtClean="0"/>
-              <a:t>kerk</a:t>
-            </a:r>
-            <a:r>
-              <a:rPr lang="en-US" sz="1100" dirty="0" smtClean="0"/>
-              <a:t>)</a:t>
-            </a:r>
-            <a:endParaRPr lang="nl-NL" sz="1100" dirty="0"/>
-          </a:p>
-        </p:txBody>
-      </p:sp>
-      <p:sp>
-        <p:nvSpPr>
-          <p:cNvPr id="64" name="Tekstvak 63"/>
-          <p:cNvSpPr txBox="1"/>
-          <p:nvPr/>
-        </p:nvSpPr>
-        <p:spPr>
-          <a:xfrm>
-            <a:off x="5652120" y="188640"/>
-            <a:ext cx="1439818" cy="261610"/>
-          </a:xfrm>
-          <a:prstGeom prst="rect">
-            <a:avLst/>
-          </a:prstGeom>
-          <a:noFill/>
-        </p:spPr>
-        <p:txBody>
-          <a:bodyPr wrap="none" rtlCol="0">
-            <a:spAutoFit/>
-          </a:bodyPr>
-          <a:lstStyle/>
-          <a:p>
-            <a:r>
-              <a:rPr lang="en-US" sz="1100" dirty="0" smtClean="0"/>
-              <a:t>Oostpoort (</a:t>
-            </a:r>
-            <a:r>
-              <a:rPr lang="en-US" sz="1100" dirty="0" err="1" smtClean="0"/>
-              <a:t>kantoren</a:t>
-            </a:r>
-            <a:r>
-              <a:rPr lang="en-US" sz="1100" dirty="0" smtClean="0"/>
-              <a:t> )</a:t>
-            </a:r>
-            <a:endParaRPr lang="nl-NL" sz="1100" dirty="0"/>
-          </a:p>
-        </p:txBody>
-      </p:sp>
-      <p:sp>
-        <p:nvSpPr>
-          <p:cNvPr id="65" name="Tekstvak 64"/>
-          <p:cNvSpPr txBox="1"/>
-          <p:nvPr/>
-        </p:nvSpPr>
-        <p:spPr>
-          <a:xfrm>
-            <a:off x="2843808" y="2924944"/>
-            <a:ext cx="1152128" cy="461665"/>
-          </a:xfrm>
-          <a:prstGeom prst="rect">
-            <a:avLst/>
-          </a:prstGeom>
-          <a:noFill/>
-        </p:spPr>
-        <p:txBody>
-          <a:bodyPr wrap="square" rtlCol="0">
-            <a:spAutoFit/>
-          </a:bodyPr>
-          <a:lstStyle/>
-          <a:p>
-            <a:r>
-              <a:rPr lang="en-US" sz="1200" dirty="0" smtClean="0"/>
-              <a:t>Hosola Bright </a:t>
-            </a:r>
-          </a:p>
-          <a:p>
-            <a:r>
-              <a:rPr lang="en-US" sz="1200" dirty="0" smtClean="0"/>
-              <a:t>5000MTL-S</a:t>
-            </a:r>
-            <a:endParaRPr lang="nl-NL" sz="1200" dirty="0"/>
-          </a:p>
-        </p:txBody>
-      </p:sp>
-      <p:sp>
-        <p:nvSpPr>
-          <p:cNvPr id="66" name="Tekstvak 65"/>
-          <p:cNvSpPr txBox="1"/>
-          <p:nvPr/>
-        </p:nvSpPr>
-        <p:spPr>
-          <a:xfrm>
-            <a:off x="4499992" y="2924944"/>
-            <a:ext cx="1152128" cy="461665"/>
-          </a:xfrm>
-          <a:prstGeom prst="rect">
-            <a:avLst/>
-          </a:prstGeom>
-          <a:noFill/>
-        </p:spPr>
-        <p:txBody>
-          <a:bodyPr wrap="square" rtlCol="0">
-            <a:spAutoFit/>
-          </a:bodyPr>
-          <a:lstStyle/>
-          <a:p>
-            <a:r>
-              <a:rPr lang="en-US" sz="1200" dirty="0" smtClean="0"/>
-              <a:t>Hosola Bright </a:t>
-            </a:r>
-          </a:p>
-          <a:p>
-            <a:r>
-              <a:rPr lang="en-US" sz="1200" dirty="0" smtClean="0"/>
-              <a:t>5000MTL-S</a:t>
+              <a:rPr lang="en-US" sz="1200" dirty="0"/>
+              <a:t>Ethernet</a:t>
             </a:r>
             <a:endParaRPr lang="nl-NL" sz="1200" dirty="0"/>
           </a:p>
@@ -7113,14 +7021,14 @@
           <a:p>
             <a:pPr algn="ctr"/>
             <a:r>
-              <a:rPr lang="en-US" dirty="0" smtClean="0"/>
+              <a:rPr lang="en-US" dirty="0"/>
               <a:t>Solar </a:t>
             </a:r>
           </a:p>
           <a:p>
             <a:pPr algn="ctr"/>
             <a:r>
-              <a:rPr lang="en-US" dirty="0" smtClean="0"/>
+              <a:rPr lang="en-US" dirty="0"/>
               <a:t>Converter</a:t>
             </a:r>
             <a:endParaRPr lang="nl-NL" dirty="0"/>
@@ -7294,14 +7202,14 @@
           <a:p>
             <a:pPr algn="ctr"/>
             <a:r>
-              <a:rPr lang="en-US" dirty="0" smtClean="0"/>
+              <a:rPr lang="en-US" dirty="0"/>
               <a:t>Solar </a:t>
             </a:r>
           </a:p>
           <a:p>
             <a:pPr algn="ctr"/>
             <a:r>
-              <a:rPr lang="en-US" dirty="0" smtClean="0"/>
+              <a:rPr lang="en-US" dirty="0"/>
               <a:t>Converter</a:t>
             </a:r>
             <a:endParaRPr lang="nl-NL" dirty="0"/>
@@ -7347,14 +7255,14 @@
           <a:p>
             <a:pPr algn="ctr"/>
             <a:r>
-              <a:rPr lang="en-US" dirty="0" smtClean="0"/>
+              <a:rPr lang="en-US" dirty="0"/>
               <a:t>Solar </a:t>
             </a:r>
           </a:p>
           <a:p>
             <a:pPr algn="ctr"/>
             <a:r>
-              <a:rPr lang="en-US" dirty="0" smtClean="0"/>
+              <a:rPr lang="en-US" dirty="0"/>
               <a:t>Converter</a:t>
             </a:r>
             <a:endParaRPr lang="nl-NL" dirty="0"/>
@@ -7534,7 +7442,7 @@
           <a:p>
             <a:pPr algn="ctr"/>
             <a:r>
-              <a:rPr lang="en-US" dirty="0" smtClean="0"/>
+              <a:rPr lang="en-US" dirty="0"/>
               <a:t>Internet</a:t>
             </a:r>
             <a:endParaRPr lang="nl-NL" dirty="0"/>
@@ -7580,7 +7488,7 @@
           <a:p>
             <a:pPr algn="ctr"/>
             <a:r>
-              <a:rPr lang="en-US" dirty="0" smtClean="0"/>
+              <a:rPr lang="en-US" dirty="0"/>
               <a:t>Router</a:t>
             </a:r>
             <a:endParaRPr lang="nl-NL" dirty="0"/>
@@ -7809,15 +7717,15 @@
           <a:lstStyle/>
           <a:p>
             <a:r>
-              <a:rPr lang="en-US" sz="2400" dirty="0" smtClean="0"/>
+              <a:rPr lang="en-US" sz="2400" dirty="0"/>
               <a:t>Data Logger – Oostpoort – </a:t>
             </a:r>
             <a:r>
-              <a:rPr lang="en-US" sz="2400" dirty="0" err="1" smtClean="0"/>
+              <a:rPr lang="en-US" sz="2400" dirty="0" err="1"/>
               <a:t>Optie</a:t>
             </a:r>
             <a:r>
-              <a:rPr lang="en-US" sz="2400" dirty="0" smtClean="0"/>
+              <a:rPr lang="en-US" sz="2400" dirty="0"/>
               <a:t> 2</a:t>
             </a:r>
             <a:endParaRPr lang="nl-NL" sz="2400" dirty="0"/>
@@ -7847,7 +7755,7 @@
           <a:lstStyle/>
           <a:p>
             <a:r>
-              <a:rPr lang="en-US" sz="1200" dirty="0" smtClean="0"/>
+              <a:rPr lang="en-US" sz="1200" dirty="0"/>
               <a:t>Wifi</a:t>
             </a:r>
             <a:endParaRPr lang="nl-NL" sz="1200" dirty="0"/>
@@ -7877,7 +7785,7 @@
           <a:lstStyle/>
           <a:p>
             <a:r>
-              <a:rPr lang="en-US" sz="1200" dirty="0" smtClean="0"/>
+              <a:rPr lang="en-US" sz="1200" dirty="0"/>
               <a:t>Wifi</a:t>
             </a:r>
             <a:endParaRPr lang="nl-NL" sz="1200" dirty="0"/>
@@ -7907,7 +7815,7 @@
           <a:lstStyle/>
           <a:p>
             <a:r>
-              <a:rPr lang="en-US" sz="1200" dirty="0" smtClean="0"/>
+              <a:rPr lang="en-US" sz="1200" dirty="0"/>
               <a:t>Wifi</a:t>
             </a:r>
             <a:endParaRPr lang="nl-NL" sz="1200" dirty="0"/>
@@ -7968,25 +7876,25 @@
           <a:p>
             <a:pPr algn="ctr"/>
             <a:r>
-              <a:rPr lang="en-US" sz="1200" dirty="0" smtClean="0"/>
+              <a:rPr lang="en-US" sz="1200" dirty="0"/>
               <a:t>SolarMan</a:t>
             </a:r>
           </a:p>
           <a:p>
             <a:pPr algn="ctr"/>
             <a:r>
-              <a:rPr lang="en-US" sz="1200" dirty="0" err="1" smtClean="0"/>
+              <a:rPr lang="en-US" sz="1200" dirty="0" err="1"/>
               <a:t>bereikbaar</a:t>
             </a:r>
             <a:r>
-              <a:rPr lang="en-US" sz="1200" dirty="0" smtClean="0"/>
+              <a:rPr lang="en-US" sz="1200" dirty="0"/>
               <a:t> via</a:t>
             </a:r>
           </a:p>
           <a:p>
             <a:pPr algn="ctr"/>
             <a:r>
-              <a:rPr lang="en-US" sz="1200" dirty="0" smtClean="0"/>
+              <a:rPr lang="en-US" sz="1200" dirty="0"/>
               <a:t>internet</a:t>
             </a:r>
             <a:endParaRPr lang="nl-NL" sz="1200" dirty="0"/>
@@ -8017,29 +7925,29 @@
           <a:p>
             <a:pPr algn="ctr"/>
             <a:r>
-              <a:rPr lang="en-US" sz="1200" dirty="0" smtClean="0"/>
+              <a:rPr lang="en-US" sz="1200" dirty="0"/>
               <a:t>SolarMan Info </a:t>
             </a:r>
           </a:p>
           <a:p>
             <a:pPr algn="ctr"/>
             <a:r>
-              <a:rPr lang="en-US" sz="1200" dirty="0" err="1" smtClean="0"/>
+              <a:rPr lang="en-US" sz="1200" dirty="0" err="1"/>
               <a:t>elke</a:t>
             </a:r>
             <a:r>
-              <a:rPr lang="en-US" sz="1200" dirty="0" smtClean="0"/>
+              <a:rPr lang="en-US" sz="1200" dirty="0"/>
               <a:t> week op </a:t>
             </a:r>
           </a:p>
           <a:p>
             <a:pPr algn="ctr"/>
             <a:r>
-              <a:rPr lang="en-US" sz="1200" dirty="0" smtClean="0"/>
+              <a:rPr lang="en-US" sz="1200" dirty="0"/>
               <a:t>beamer </a:t>
             </a:r>
             <a:r>
-              <a:rPr lang="en-US" sz="1200" dirty="0" err="1" smtClean="0"/>
+              <a:rPr lang="en-US" sz="1200" dirty="0" err="1"/>
               <a:t>presentatie</a:t>
             </a:r>
             <a:endParaRPr lang="nl-NL" sz="1200" dirty="0"/>
@@ -8257,13 +8165,13 @@
           <a:lstStyle/>
           <a:p>
             <a:r>
-              <a:rPr lang="en-US" sz="1200" dirty="0" smtClean="0"/>
+              <a:rPr lang="en-US" sz="1200" dirty="0"/>
               <a:t>Hosola Bright </a:t>
             </a:r>
           </a:p>
           <a:p>
             <a:r>
-              <a:rPr lang="en-US" sz="1200" dirty="0" smtClean="0"/>
+              <a:rPr lang="en-US" sz="1200" dirty="0"/>
               <a:t>5000MTL-S</a:t>
             </a:r>
             <a:endParaRPr lang="nl-NL" sz="1200" dirty="0"/>
@@ -8293,13 +8201,13 @@
           <a:lstStyle/>
           <a:p>
             <a:r>
-              <a:rPr lang="en-US" sz="1200" dirty="0" smtClean="0"/>
+              <a:rPr lang="en-US" sz="1200" dirty="0"/>
               <a:t>Hosola Bright </a:t>
             </a:r>
           </a:p>
           <a:p>
             <a:r>
-              <a:rPr lang="en-US" sz="1200" dirty="0" smtClean="0"/>
+              <a:rPr lang="en-US" sz="1200" dirty="0"/>
               <a:t>5000MTL-S</a:t>
             </a:r>
             <a:endParaRPr lang="nl-NL" sz="1200" dirty="0"/>
@@ -8329,13 +8237,13 @@
           <a:lstStyle/>
           <a:p>
             <a:r>
-              <a:rPr lang="en-US" sz="1200" dirty="0" smtClean="0"/>
+              <a:rPr lang="en-US" sz="1200" dirty="0"/>
               <a:t>Hosola Bright </a:t>
             </a:r>
           </a:p>
           <a:p>
             <a:r>
-              <a:rPr lang="en-US" sz="1200" dirty="0" smtClean="0"/>
+              <a:rPr lang="en-US" sz="1200" dirty="0"/>
               <a:t>5000MTL-S</a:t>
             </a:r>
             <a:endParaRPr lang="nl-NL" sz="1200" dirty="0"/>
@@ -8383,10 +8291,9 @@
           <a:lstStyle/>
           <a:p>
             <a:r>
-              <a:rPr lang="nl-NL" noProof="0" dirty="0" smtClean="0"/>
+              <a:rPr lang="nl-NL" noProof="0" dirty="0"/>
               <a:t>Voor/nadelen - Optie 1</a:t>
             </a:r>
-            <a:endParaRPr lang="nl-NL" noProof="0" dirty="0"/>
           </a:p>
         </p:txBody>
       </p:sp>
@@ -8411,103 +8318,103 @@
               <a:buNone/>
             </a:pPr>
             <a:r>
-              <a:rPr lang="nl-NL" sz="2000" noProof="0" dirty="0" smtClean="0"/>
+              <a:rPr lang="nl-NL" sz="2000" noProof="0" dirty="0"/>
               <a:t>Voordelen:</a:t>
             </a:r>
           </a:p>
           <a:p>
             <a:r>
-              <a:rPr lang="nl-NL" sz="2000" noProof="0" dirty="0" smtClean="0"/>
+              <a:rPr lang="nl-NL" sz="2000" noProof="0" dirty="0"/>
               <a:t>Elektra verbruik wordt inzichtelijk gemaakt</a:t>
             </a:r>
           </a:p>
           <a:p>
             <a:r>
-              <a:rPr lang="nl-NL" sz="2000" noProof="0" dirty="0" smtClean="0"/>
+              <a:rPr lang="nl-NL" sz="2000" noProof="0" dirty="0"/>
               <a:t>Elektra (Solar) productie wordt inzichtelijk gemaakt</a:t>
             </a:r>
           </a:p>
           <a:p>
             <a:r>
-              <a:rPr lang="nl-NL" sz="2000" noProof="0" dirty="0" smtClean="0"/>
+              <a:rPr lang="nl-NL" sz="2000" noProof="0" dirty="0"/>
               <a:t>Gas verbruik wordt inzichtelijke gemaakt.</a:t>
             </a:r>
           </a:p>
           <a:p>
             <a:r>
-              <a:rPr lang="nl-NL" sz="2000" noProof="0" dirty="0" smtClean="0"/>
+              <a:rPr lang="nl-NL" sz="2000" noProof="0" dirty="0"/>
               <a:t>CO2 impact (Elektra / Gas) wordt inzichtelijk gemaakt.</a:t>
             </a:r>
           </a:p>
           <a:p>
             <a:r>
-              <a:rPr lang="nl-NL" sz="2000" noProof="0" dirty="0" smtClean="0"/>
+              <a:rPr lang="nl-NL" sz="2000" noProof="0" dirty="0"/>
               <a:t>Informatie wordt real-time getoond op monitor (in de hal)</a:t>
             </a:r>
           </a:p>
           <a:p>
             <a:r>
-              <a:rPr lang="nl-NL" sz="2000" noProof="0" dirty="0" smtClean="0"/>
+              <a:rPr lang="nl-NL" sz="2000" noProof="0" dirty="0"/>
               <a:t>Bovenstaande informatie real-time opvraagbaar via internet.</a:t>
             </a:r>
           </a:p>
           <a:p>
-            <a:endParaRPr lang="nl-NL" sz="2000" noProof="0" dirty="0" smtClean="0"/>
+            <a:endParaRPr lang="nl-NL" sz="2000" noProof="0" dirty="0"/>
           </a:p>
           <a:p>
             <a:pPr>
               <a:buNone/>
             </a:pPr>
             <a:r>
-              <a:rPr lang="nl-NL" sz="2000" noProof="0" dirty="0" smtClean="0"/>
+              <a:rPr lang="nl-NL" sz="2000" noProof="0" dirty="0"/>
               <a:t>Nadelen:</a:t>
             </a:r>
           </a:p>
           <a:p>
             <a:r>
-              <a:rPr lang="nl-NL" sz="2000" dirty="0" smtClean="0"/>
+              <a:rPr lang="nl-NL" sz="2000" dirty="0"/>
               <a:t>Analoge energie meter (kantoren) moet vervangen worden door digitale variant *</a:t>
             </a:r>
-            <a:endParaRPr lang="nl-NL" sz="2000" noProof="0" dirty="0" smtClean="0"/>
-          </a:p>
-          <a:p>
-            <a:r>
-              <a:rPr lang="nl-NL" sz="2000" noProof="0" dirty="0" smtClean="0"/>
+            <a:endParaRPr lang="nl-NL" sz="2000" noProof="0" dirty="0"/>
+          </a:p>
+          <a:p>
+            <a:r>
+              <a:rPr lang="nl-NL" sz="2000" noProof="0" dirty="0"/>
               <a:t>Digital energie meter (kerk) </a:t>
             </a:r>
             <a:r>
-              <a:rPr lang="nl-NL" sz="2000" dirty="0" smtClean="0"/>
+              <a:rPr lang="nl-NL" sz="2000" dirty="0"/>
               <a:t>moeten vervangen worden vanwege digitale gas meter. *</a:t>
             </a:r>
-            <a:endParaRPr lang="nl-NL" sz="2000" noProof="0" dirty="0" smtClean="0"/>
-          </a:p>
-          <a:p>
-            <a:r>
-              <a:rPr lang="nl-NL" sz="2000" noProof="0" dirty="0" smtClean="0"/>
+            <a:endParaRPr lang="nl-NL" sz="2000" noProof="0" dirty="0"/>
+          </a:p>
+          <a:p>
+            <a:r>
+              <a:rPr lang="nl-NL" sz="2000" noProof="0" dirty="0"/>
               <a:t>Analoge gas meter </a:t>
             </a:r>
             <a:r>
-              <a:rPr lang="nl-NL" sz="2000" dirty="0" smtClean="0"/>
+              <a:rPr lang="nl-NL" sz="2000" dirty="0"/>
               <a:t>moet vervangen worden door digitale variant * </a:t>
             </a:r>
           </a:p>
           <a:p>
             <a:r>
-              <a:rPr lang="nl-NL" sz="2000" noProof="0" dirty="0" smtClean="0"/>
+              <a:rPr lang="nl-NL" sz="2000" noProof="0" dirty="0"/>
               <a:t>Hosola Bright 5000MTL-S via Wifi uitlezen niet duidelijk of dit kan?</a:t>
             </a:r>
           </a:p>
           <a:p>
             <a:r>
-              <a:rPr lang="nl-NL" sz="2000" noProof="0" dirty="0" smtClean="0"/>
+              <a:rPr lang="nl-NL" sz="2000" noProof="0" dirty="0"/>
               <a:t>Er zijn wat </a:t>
             </a:r>
             <a:r>
-              <a:rPr lang="nl-NL" sz="2000" dirty="0" smtClean="0"/>
+              <a:rPr lang="nl-NL" sz="2000" dirty="0"/>
               <a:t>aanloop</a:t>
             </a:r>
             <a:r>
-              <a:rPr lang="nl-NL" sz="2000" noProof="0" dirty="0" smtClean="0"/>
+              <a:rPr lang="nl-NL" sz="2000" noProof="0" dirty="0"/>
               <a:t> kosten (zie volgende sheet)</a:t>
             </a:r>
           </a:p>
@@ -8515,24 +8422,24 @@
             <a:pPr>
               <a:buNone/>
             </a:pPr>
-            <a:endParaRPr lang="nl-NL" sz="2000" noProof="0" dirty="0" smtClean="0"/>
+            <a:endParaRPr lang="nl-NL" sz="2000" noProof="0" dirty="0"/>
           </a:p>
           <a:p>
             <a:pPr>
               <a:buNone/>
             </a:pPr>
             <a:r>
-              <a:rPr lang="nl-NL" sz="2000" dirty="0" smtClean="0"/>
+              <a:rPr lang="nl-NL" sz="2000" dirty="0"/>
               <a:t>* Meter vervanging is kosteloos volgens mij via energie leverancier aan te vragen.</a:t>
             </a:r>
-            <a:endParaRPr lang="nl-NL" sz="2000" noProof="0" dirty="0" smtClean="0"/>
+            <a:endParaRPr lang="nl-NL" sz="2000" noProof="0" dirty="0"/>
           </a:p>
           <a:p>
             <a:pPr>
               <a:buFontTx/>
               <a:buChar char="-"/>
             </a:pPr>
-            <a:endParaRPr lang="nl-NL" sz="2000" noProof="0" dirty="0" smtClean="0"/>
+            <a:endParaRPr lang="nl-NL" sz="2000" noProof="0" dirty="0"/>
           </a:p>
           <a:p>
             <a:endParaRPr lang="nl-NL" sz="2000" noProof="0" dirty="0"/>
@@ -8580,10 +8487,9 @@
           <a:lstStyle/>
           <a:p>
             <a:r>
-              <a:rPr lang="nl-NL" noProof="0" smtClean="0"/>
+              <a:rPr lang="nl-NL" noProof="0"/>
               <a:t>Kosten Plaatje – Optie 1</a:t>
             </a:r>
-            <a:endParaRPr lang="nl-NL" noProof="0"/>
           </a:p>
         </p:txBody>
       </p:sp>
@@ -8605,71 +8511,71 @@
           <a:lstStyle/>
           <a:p>
             <a:r>
-              <a:rPr lang="nl-NL" sz="2000" noProof="0" dirty="0" smtClean="0"/>
+              <a:rPr lang="nl-NL" sz="2000" noProof="0" dirty="0"/>
               <a:t>Raspberry Pi mini computer *      ca.   70 euro</a:t>
             </a:r>
           </a:p>
           <a:p>
             <a:pPr lvl="1"/>
             <a:r>
-              <a:rPr lang="en-US" sz="1600" dirty="0" smtClean="0"/>
+              <a:rPr lang="en-US" sz="1600" dirty="0"/>
               <a:t>Raspberry Pi 2B</a:t>
             </a:r>
           </a:p>
           <a:p>
             <a:pPr lvl="1"/>
             <a:r>
-              <a:rPr lang="en-US" sz="1600" dirty="0" err="1" smtClean="0"/>
+              <a:rPr lang="en-US" sz="1600" dirty="0" err="1"/>
               <a:t>Behuizing</a:t>
             </a:r>
-            <a:endParaRPr lang="en-US" sz="1600" dirty="0" smtClean="0"/>
+            <a:endParaRPr lang="en-US" sz="1600" dirty="0"/>
           </a:p>
           <a:p>
             <a:pPr lvl="1"/>
             <a:r>
-              <a:rPr lang="en-US" sz="1600" dirty="0" smtClean="0"/>
+              <a:rPr lang="en-US" sz="1600" dirty="0"/>
               <a:t>16GB Flash Card</a:t>
             </a:r>
           </a:p>
           <a:p>
             <a:pPr lvl="1"/>
             <a:r>
-              <a:rPr lang="en-US" sz="1600" dirty="0" smtClean="0"/>
+              <a:rPr lang="en-US" sz="1600" dirty="0"/>
               <a:t>USB </a:t>
             </a:r>
             <a:r>
-              <a:rPr lang="en-US" sz="1600" dirty="0" err="1" smtClean="0"/>
+              <a:rPr lang="en-US" sz="1600" dirty="0" err="1"/>
               <a:t>voeding</a:t>
             </a:r>
-            <a:endParaRPr lang="en-US" sz="1600" dirty="0" smtClean="0"/>
+            <a:endParaRPr lang="en-US" sz="1600" dirty="0"/>
           </a:p>
           <a:p>
             <a:pPr lvl="1"/>
             <a:r>
-              <a:rPr lang="en-US" sz="1600" dirty="0" smtClean="0"/>
+              <a:rPr lang="en-US" sz="1600" dirty="0"/>
               <a:t>Wifi USB Dongle</a:t>
             </a:r>
           </a:p>
           <a:p>
             <a:r>
-              <a:rPr lang="nl-NL" sz="2000" noProof="0" dirty="0" smtClean="0"/>
+              <a:rPr lang="nl-NL" sz="2000" noProof="0" dirty="0"/>
               <a:t>USB P1 Kabel                                    ca.  15 euro</a:t>
             </a:r>
           </a:p>
           <a:p>
             <a:r>
-              <a:rPr lang="nl-NL" sz="2000" dirty="0" smtClean="0"/>
+              <a:rPr lang="nl-NL" sz="2000" dirty="0"/>
               <a:t>USB P1 Infrarood Kabel                  ca.  30 euro</a:t>
             </a:r>
           </a:p>
           <a:p>
             <a:r>
-              <a:rPr lang="nl-NL" sz="2000" noProof="0" dirty="0" smtClean="0"/>
+              <a:rPr lang="nl-NL" sz="2000" noProof="0" dirty="0"/>
               <a:t>HDMI Kabel  (3 meter)                   ca.   15 euro</a:t>
             </a:r>
           </a:p>
           <a:p>
-            <a:endParaRPr lang="en-US" sz="2000" dirty="0" smtClean="0"/>
+            <a:endParaRPr lang="en-US" sz="2000" dirty="0"/>
           </a:p>
           <a:p>
             <a:pPr>
@@ -8677,24 +8583,24 @@
               <a:buChar char="-"/>
             </a:pPr>
             <a:r>
-              <a:rPr lang="en-US" sz="2000" noProof="0" dirty="0" smtClean="0"/>
+              <a:rPr lang="en-US" sz="2000" noProof="0" dirty="0"/>
               <a:t>Raspberry </a:t>
             </a:r>
             <a:r>
-              <a:rPr lang="en-US" sz="2000" noProof="0" dirty="0" err="1" smtClean="0"/>
+              <a:rPr lang="en-US" sz="2000" noProof="0" dirty="0" err="1"/>
               <a:t>besturingssysteem</a:t>
             </a:r>
             <a:r>
-              <a:rPr lang="en-US" sz="2000" noProof="0" dirty="0" smtClean="0"/>
+              <a:rPr lang="en-US" sz="2000" noProof="0" dirty="0"/>
               <a:t> software is freeware </a:t>
             </a:r>
             <a:r>
-              <a:rPr lang="en-US" sz="2000" noProof="0" dirty="0" smtClean="0">
+              <a:rPr lang="en-US" sz="2000" noProof="0" dirty="0">
                 <a:sym typeface="Wingdings" pitchFamily="2" charset="2"/>
               </a:rPr>
               <a:t></a:t>
             </a:r>
-            <a:endParaRPr lang="en-US" sz="2000" noProof="0" dirty="0" smtClean="0"/>
+            <a:endParaRPr lang="en-US" sz="2000" noProof="0" dirty="0"/>
           </a:p>
           <a:p>
             <a:pPr>
@@ -8702,11 +8608,11 @@
               <a:buChar char="-"/>
             </a:pPr>
             <a:r>
-              <a:rPr lang="en-US" sz="2000" noProof="0" dirty="0" smtClean="0"/>
+              <a:rPr lang="en-US" sz="2000" noProof="0" dirty="0"/>
               <a:t>PlaatEnergy software is freeware </a:t>
             </a:r>
             <a:r>
-              <a:rPr lang="en-US" sz="2000" noProof="0" dirty="0" smtClean="0">
+              <a:rPr lang="en-US" sz="2000" noProof="0" dirty="0">
                 <a:sym typeface="Wingdings" pitchFamily="2" charset="2"/>
               </a:rPr>
               <a:t></a:t>
@@ -8718,87 +8624,87 @@
               <a:buChar char="-"/>
             </a:pPr>
             <a:r>
-              <a:rPr lang="en-US" sz="2000" noProof="0" dirty="0" smtClean="0">
+              <a:rPr lang="en-US" sz="2000" noProof="0" dirty="0">
                 <a:sym typeface="Wingdings" pitchFamily="2" charset="2"/>
               </a:rPr>
               <a:t>Montage </a:t>
             </a:r>
             <a:r>
-              <a:rPr lang="en-US" sz="2000" noProof="0" dirty="0" smtClean="0"/>
+              <a:rPr lang="en-US" sz="2000" noProof="0" dirty="0"/>
               <a:t> in </a:t>
             </a:r>
             <a:r>
-              <a:rPr lang="en-US" sz="2000" noProof="0" dirty="0" err="1" smtClean="0"/>
+              <a:rPr lang="en-US" sz="2000" noProof="0" dirty="0" err="1"/>
               <a:t>samen</a:t>
             </a:r>
             <a:r>
-              <a:rPr lang="en-US" sz="2000" noProof="0" dirty="0" smtClean="0"/>
+              <a:rPr lang="en-US" sz="2000" noProof="0" dirty="0"/>
               <a:t> </a:t>
             </a:r>
             <a:r>
-              <a:rPr lang="en-US" sz="2000" noProof="0" dirty="0" err="1" smtClean="0"/>
+              <a:rPr lang="en-US" sz="2000" noProof="0" dirty="0" err="1"/>
               <a:t>spraak</a:t>
             </a:r>
             <a:r>
-              <a:rPr lang="en-US" sz="2000" noProof="0" dirty="0" smtClean="0"/>
+              <a:rPr lang="en-US" sz="2000" noProof="0" dirty="0"/>
               <a:t> met </a:t>
             </a:r>
             <a:r>
-              <a:rPr lang="en-US" sz="2000" noProof="0" dirty="0" err="1" smtClean="0"/>
+              <a:rPr lang="en-US" sz="2000" noProof="0" dirty="0" err="1"/>
               <a:t>gebouw</a:t>
             </a:r>
             <a:r>
-              <a:rPr lang="en-US" sz="2000" noProof="0" dirty="0" smtClean="0"/>
+              <a:rPr lang="en-US" sz="2000" noProof="0" dirty="0"/>
               <a:t> </a:t>
             </a:r>
             <a:r>
-              <a:rPr lang="en-US" sz="2000" noProof="0" dirty="0" err="1" smtClean="0"/>
+              <a:rPr lang="en-US" sz="2000" noProof="0" dirty="0" err="1"/>
               <a:t>beheerder</a:t>
             </a:r>
             <a:r>
-              <a:rPr lang="en-US" sz="2000" noProof="0" dirty="0" smtClean="0"/>
+              <a:rPr lang="en-US" sz="2000" noProof="0" dirty="0"/>
               <a:t> – </a:t>
             </a:r>
             <a:r>
-              <a:rPr lang="en-US" sz="2000" dirty="0" err="1" smtClean="0"/>
+              <a:rPr lang="en-US" sz="2000" dirty="0" err="1"/>
               <a:t>geen</a:t>
             </a:r>
             <a:r>
-              <a:rPr lang="en-US" sz="2000" dirty="0" smtClean="0"/>
+              <a:rPr lang="en-US" sz="2000" dirty="0"/>
               <a:t> </a:t>
             </a:r>
             <a:r>
-              <a:rPr lang="en-US" sz="2000" noProof="0" dirty="0" err="1" smtClean="0"/>
+              <a:rPr lang="en-US" sz="2000" noProof="0" dirty="0" err="1"/>
               <a:t>kosten</a:t>
             </a:r>
             <a:r>
-              <a:rPr lang="en-US" sz="2000" noProof="0" dirty="0" smtClean="0"/>
+              <a:rPr lang="en-US" sz="2000" noProof="0" dirty="0"/>
               <a:t> </a:t>
             </a:r>
             <a:r>
-              <a:rPr lang="en-US" sz="2000" noProof="0" dirty="0" smtClean="0">
+              <a:rPr lang="en-US" sz="2000" noProof="0" dirty="0">
                 <a:sym typeface="Wingdings" pitchFamily="2" charset="2"/>
               </a:rPr>
               <a:t></a:t>
             </a:r>
-            <a:endParaRPr lang="en-US" sz="2000" noProof="0" dirty="0" smtClean="0"/>
+            <a:endParaRPr lang="en-US" sz="2000" noProof="0" dirty="0"/>
           </a:p>
           <a:p>
             <a:pPr>
               <a:buNone/>
             </a:pPr>
-            <a:endParaRPr lang="nl-NL" sz="2000" noProof="0" dirty="0" smtClean="0"/>
+            <a:endParaRPr lang="nl-NL" sz="2000" noProof="0" dirty="0"/>
           </a:p>
           <a:p>
             <a:pPr>
               <a:buNone/>
             </a:pPr>
             <a:r>
-              <a:rPr lang="nl-NL" sz="2000" dirty="0" smtClean="0"/>
+              <a:rPr lang="nl-NL" sz="2000" dirty="0"/>
               <a:t>* Verbruikt ca. 4 Watt per uur </a:t>
             </a:r>
             <a:r>
-              <a:rPr lang="nl-NL" sz="2000" dirty="0" smtClean="0">
+              <a:rPr lang="nl-NL" sz="2000" dirty="0">
                 <a:sym typeface="Wingdings" pitchFamily="2" charset="2"/>
               </a:rPr>
               <a:t></a:t>
@@ -8848,10 +8754,9 @@
           <a:lstStyle/>
           <a:p>
             <a:r>
-              <a:rPr lang="nl-NL" noProof="0" smtClean="0"/>
+              <a:rPr lang="nl-NL" noProof="0"/>
               <a:t>Voor/nadelen - Optie 2</a:t>
             </a:r>
-            <a:endParaRPr lang="nl-NL" noProof="0"/>
           </a:p>
         </p:txBody>
       </p:sp>
@@ -8876,59 +8781,59 @@
               <a:buNone/>
             </a:pPr>
             <a:r>
-              <a:rPr lang="nl-NL" sz="2000" noProof="0" dirty="0" smtClean="0"/>
+              <a:rPr lang="nl-NL" sz="2000" noProof="0" dirty="0"/>
               <a:t>Voordelen:</a:t>
             </a:r>
           </a:p>
           <a:p>
             <a:r>
-              <a:rPr lang="nl-NL" sz="2000" noProof="0" dirty="0" smtClean="0"/>
+              <a:rPr lang="nl-NL" sz="2000" noProof="0" dirty="0"/>
               <a:t>Elektra (</a:t>
             </a:r>
             <a:r>
-              <a:rPr lang="nl-NL" sz="2000" noProof="0" dirty="0" err="1" smtClean="0"/>
+              <a:rPr lang="nl-NL" sz="2000" noProof="0" dirty="0" err="1"/>
               <a:t>solar</a:t>
             </a:r>
             <a:r>
-              <a:rPr lang="nl-NL" sz="2000" noProof="0" dirty="0" smtClean="0"/>
+              <a:rPr lang="nl-NL" sz="2000" noProof="0" dirty="0"/>
               <a:t>) productie wordt inzichtelijk gemaakt</a:t>
             </a:r>
           </a:p>
           <a:p>
             <a:r>
-              <a:rPr lang="nl-NL" sz="2000" noProof="0" dirty="0" smtClean="0"/>
+              <a:rPr lang="nl-NL" sz="2000" noProof="0" dirty="0"/>
               <a:t>Kan meteen ingevoerd worden want alles is reeds aanwezig</a:t>
             </a:r>
           </a:p>
           <a:p>
-            <a:endParaRPr lang="nl-NL" sz="2000" noProof="0" dirty="0" smtClean="0"/>
+            <a:endParaRPr lang="nl-NL" sz="2000" noProof="0" dirty="0"/>
           </a:p>
           <a:p>
             <a:pPr>
               <a:buNone/>
             </a:pPr>
             <a:r>
-              <a:rPr lang="nl-NL" sz="2000" noProof="0" dirty="0" smtClean="0"/>
+              <a:rPr lang="nl-NL" sz="2000" noProof="0" dirty="0"/>
               <a:t>Nadelen:</a:t>
             </a:r>
           </a:p>
           <a:p>
             <a:r>
-              <a:rPr lang="nl-NL" sz="2000" noProof="0" dirty="0" smtClean="0"/>
+              <a:rPr lang="nl-NL" sz="2000" noProof="0" dirty="0"/>
               <a:t>Beperkte informatie waarde. “Elektra opbrengt zegt niet zoveel als je het niet afzet tegen e</a:t>
             </a:r>
             <a:r>
-              <a:rPr lang="nl-NL" sz="2000" dirty="0" smtClean="0"/>
+              <a:rPr lang="nl-NL" sz="2000" dirty="0"/>
               <a:t>lektra </a:t>
             </a:r>
             <a:r>
-              <a:rPr lang="nl-NL" sz="2000" noProof="0" dirty="0" smtClean="0"/>
+              <a:rPr lang="nl-NL" sz="2000" noProof="0" dirty="0"/>
               <a:t>verbruik</a:t>
             </a:r>
           </a:p>
           <a:p>
             <a:r>
-              <a:rPr lang="nl-NL" sz="2000" noProof="0" dirty="0" smtClean="0"/>
+              <a:rPr lang="nl-NL" sz="2000" noProof="0" dirty="0"/>
               <a:t>Niet real-time. Moment opname die in het verleden ligt.</a:t>
             </a:r>
           </a:p>
@@ -8937,14 +8842,14 @@
               <a:buFontTx/>
               <a:buChar char="-"/>
             </a:pPr>
-            <a:endParaRPr lang="nl-NL" sz="2000" noProof="0" dirty="0" smtClean="0"/>
+            <a:endParaRPr lang="nl-NL" sz="2000" noProof="0" dirty="0"/>
           </a:p>
           <a:p>
             <a:pPr>
               <a:buFontTx/>
               <a:buChar char="-"/>
             </a:pPr>
-            <a:endParaRPr lang="nl-NL" sz="2000" noProof="0" dirty="0" smtClean="0"/>
+            <a:endParaRPr lang="nl-NL" sz="2000" noProof="0" dirty="0"/>
           </a:p>
           <a:p>
             <a:endParaRPr lang="nl-NL" sz="2000" noProof="0" dirty="0"/>
@@ -8992,10 +8897,9 @@
           <a:lstStyle/>
           <a:p>
             <a:r>
-              <a:rPr lang="nl-NL" noProof="0" dirty="0" smtClean="0"/>
+              <a:rPr lang="nl-NL" noProof="0" dirty="0"/>
               <a:t>Aanbeveling</a:t>
             </a:r>
-            <a:endParaRPr lang="nl-NL" noProof="0" dirty="0"/>
           </a:p>
         </p:txBody>
       </p:sp>
@@ -9017,72 +8921,71 @@
           <a:lstStyle/>
           <a:p>
             <a:r>
-              <a:rPr lang="nl-NL" sz="2800" noProof="0" dirty="0" smtClean="0"/>
+              <a:rPr lang="nl-NL" sz="2800" noProof="0" dirty="0"/>
               <a:t>Optie 2 meteen doorvoeren zodat gemeente initieel wordt geïnformeerd.</a:t>
             </a:r>
           </a:p>
           <a:p>
             <a:r>
-              <a:rPr lang="nl-NL" sz="2800" noProof="0" dirty="0" smtClean="0"/>
+              <a:rPr lang="nl-NL" sz="2800" noProof="0" dirty="0"/>
               <a:t>(Optioneel) Optie 1 daarna stap voor stap invoeren</a:t>
             </a:r>
           </a:p>
           <a:p>
             <a:pPr lvl="1"/>
             <a:r>
-              <a:rPr lang="nl-NL" sz="2400" noProof="0" dirty="0" smtClean="0"/>
+              <a:rPr lang="nl-NL" sz="2400" noProof="0" dirty="0"/>
               <a:t>Stap 1. Energie + Gas meters vervangen door digitale </a:t>
             </a:r>
             <a:r>
-              <a:rPr lang="nl-NL" sz="2400" dirty="0" smtClean="0"/>
+              <a:rPr lang="nl-NL" sz="2400" dirty="0"/>
               <a:t>meters</a:t>
             </a:r>
-            <a:endParaRPr lang="nl-NL" sz="2400" noProof="0" dirty="0" smtClean="0"/>
+            <a:endParaRPr lang="nl-NL" sz="2400" noProof="0" dirty="0"/>
           </a:p>
           <a:p>
             <a:pPr lvl="1"/>
             <a:r>
-              <a:rPr lang="nl-NL" sz="2400" dirty="0" smtClean="0"/>
+              <a:rPr lang="nl-NL" sz="2400" dirty="0"/>
               <a:t>Stap 2. Raspberry Pi + PlaatEnergy data logger installeren</a:t>
             </a:r>
           </a:p>
           <a:p>
             <a:pPr lvl="2"/>
             <a:r>
-              <a:rPr lang="nl-NL" sz="2000" dirty="0" smtClean="0"/>
+              <a:rPr lang="nl-NL" sz="2000" dirty="0"/>
               <a:t>Deze informatie via beamer presenteren</a:t>
             </a:r>
           </a:p>
           <a:p>
             <a:pPr lvl="1"/>
             <a:r>
-              <a:rPr lang="nl-NL" sz="2400" dirty="0" smtClean="0"/>
+              <a:rPr lang="nl-NL" sz="2400" dirty="0"/>
               <a:t>Stap 3a. Uitzoeken of Solar Omvormers uitgelezen kunnen worden via Wifi (Risico)</a:t>
             </a:r>
-            <a:endParaRPr lang="nl-NL" sz="2400" noProof="0" dirty="0" smtClean="0"/>
+            <a:endParaRPr lang="nl-NL" sz="2400" noProof="0" dirty="0"/>
           </a:p>
           <a:p>
             <a:pPr lvl="1"/>
             <a:r>
-              <a:rPr lang="nl-NL" sz="2400" noProof="0" dirty="0" smtClean="0"/>
+              <a:rPr lang="nl-NL" sz="2400" noProof="0" dirty="0"/>
               <a:t>Stap 3b. PlaatEnergy aanpassen (sensor script toevoegen)</a:t>
             </a:r>
           </a:p>
           <a:p>
             <a:pPr lvl="1"/>
             <a:r>
-              <a:rPr lang="nl-NL" sz="2400" noProof="0" dirty="0" smtClean="0"/>
+              <a:rPr lang="nl-NL" sz="2400" noProof="0" dirty="0"/>
               <a:t>Stap 4. Monitor plaatsen in hal en PlaatEnergy </a:t>
             </a:r>
             <a:r>
-              <a:rPr lang="nl-NL" sz="2400" noProof="0" dirty="0" err="1" smtClean="0"/>
+              <a:rPr lang="nl-NL" sz="2400" noProof="0" dirty="0" err="1"/>
               <a:t>slide</a:t>
             </a:r>
             <a:r>
-              <a:rPr lang="nl-NL" sz="2400" noProof="0" dirty="0" smtClean="0"/>
+              <a:rPr lang="nl-NL" sz="2400" noProof="0" dirty="0"/>
               <a:t> show tonen. </a:t>
             </a:r>
-            <a:endParaRPr lang="nl-NL" sz="2400" noProof="0" dirty="0"/>
           </a:p>
         </p:txBody>
       </p:sp>
@@ -9152,7 +9055,7 @@
               <a:defRPr/>
             </a:pPr>
             <a:r>
-              <a:rPr kumimoji="0" lang="en-US" sz="4400" b="0" i="0" u="none" strike="noStrike" kern="1200" cap="none" spc="0" normalizeH="0" baseline="0" noProof="0" dirty="0" err="1" smtClean="0">
+              <a:rPr kumimoji="0" lang="en-US" sz="4400" b="0" i="0" u="none" strike="noStrike" kern="1200" cap="none" spc="0" normalizeH="0" baseline="0" noProof="0" dirty="0" err="1">
                 <a:ln>
                   <a:noFill/>
                 </a:ln>
@@ -9169,7 +9072,7 @@
               <a:t>Bijlagen</a:t>
             </a:r>
             <a:r>
-              <a:rPr kumimoji="0" lang="en-US" sz="4400" b="0" i="0" u="none" strike="noStrike" kern="1200" cap="none" spc="0" normalizeH="0" baseline="0" noProof="0" dirty="0" smtClean="0">
+              <a:rPr kumimoji="0" lang="en-US" sz="4400" b="0" i="0" u="none" strike="noStrike" kern="1200" cap="none" spc="0" normalizeH="0" baseline="0" noProof="0" dirty="0">
                 <a:ln>
                   <a:noFill/>
                 </a:ln>
@@ -9183,24 +9086,7 @@
                 <a:ea typeface="+mj-ea"/>
                 <a:cs typeface="+mj-cs"/>
               </a:rPr>
-              <a:t> </a:t>
-            </a:r>
-            <a:r>
-              <a:rPr kumimoji="0" lang="en-US" sz="4400" b="0" i="0" u="none" strike="noStrike" kern="1200" cap="none" spc="0" normalizeH="0" baseline="0" noProof="0" dirty="0" err="1" smtClean="0">
-                <a:ln>
-                  <a:noFill/>
-                </a:ln>
-                <a:solidFill>
-                  <a:schemeClr val="tx1"/>
-                </a:solidFill>
-                <a:effectLst/>
-                <a:uLnTx/>
-                <a:uFillTx/>
-                <a:latin typeface="+mj-lt"/>
-                <a:ea typeface="+mj-ea"/>
-                <a:cs typeface="+mj-cs"/>
-              </a:rPr>
-              <a:t>PlaatEnergy</a:t>
+              <a:t> PlaatEnergy</a:t>
             </a:r>
             <a:endParaRPr kumimoji="0" lang="nl-NL" sz="4400" b="0" i="0" u="none" strike="noStrike" kern="1200" cap="none" spc="0" normalizeH="0" baseline="0" noProof="0" dirty="0">
               <a:ln>
@@ -9241,75 +9127,75 @@
           <a:lstStyle/>
           <a:p>
             <a:r>
-              <a:rPr lang="en-US" dirty="0" smtClean="0"/>
+              <a:rPr lang="en-US" dirty="0"/>
               <a:t>KEY FEATURES:</a:t>
             </a:r>
           </a:p>
           <a:p>
             <a:r>
-              <a:rPr lang="en-US" dirty="0" smtClean="0"/>
+              <a:rPr lang="en-US" dirty="0"/>
               <a:t>– Records every minute energy and gas usage (RS232 serial connection)</a:t>
             </a:r>
             <a:br>
-              <a:rPr lang="en-US" dirty="0" smtClean="0"/>
+              <a:rPr lang="en-US" dirty="0"/>
             </a:br>
             <a:r>
-              <a:rPr lang="en-US" dirty="0" smtClean="0"/>
+              <a:rPr lang="en-US" dirty="0"/>
               <a:t>– Records every minute solar energy delivered (TCP/IP connection)</a:t>
             </a:r>
             <a:br>
-              <a:rPr lang="en-US" dirty="0" smtClean="0"/>
+              <a:rPr lang="en-US" dirty="0"/>
             </a:br>
             <a:r>
-              <a:rPr lang="en-US" dirty="0" smtClean="0"/>
+              <a:rPr lang="en-US" dirty="0"/>
               <a:t>– Records every minute air temperature, air humidity and air pressure (optional)</a:t>
             </a:r>
             <a:br>
-              <a:rPr lang="en-US" dirty="0" smtClean="0"/>
+              <a:rPr lang="en-US" dirty="0"/>
             </a:br>
             <a:r>
-              <a:rPr lang="en-US" dirty="0" smtClean="0"/>
+              <a:rPr lang="en-US" dirty="0"/>
               <a:t>– Show real-time, historical and forecast data in Web GUI.</a:t>
             </a:r>
             <a:br>
-              <a:rPr lang="en-US" dirty="0" smtClean="0"/>
+              <a:rPr lang="en-US" dirty="0"/>
             </a:br>
             <a:r>
-              <a:rPr lang="en-US" dirty="0" smtClean="0"/>
+              <a:rPr lang="en-US" dirty="0"/>
               <a:t>– Show financial data in Web GUI.</a:t>
             </a:r>
             <a:br>
-              <a:rPr lang="en-US" dirty="0" smtClean="0"/>
+              <a:rPr lang="en-US" dirty="0"/>
             </a:br>
             <a:r>
-              <a:rPr lang="en-US" dirty="0" smtClean="0"/>
+              <a:rPr lang="en-US" dirty="0"/>
               <a:t>– Web GUI charts support years, year, month, day, minute detail level.</a:t>
             </a:r>
             <a:br>
-              <a:rPr lang="en-US" dirty="0" smtClean="0"/>
+              <a:rPr lang="en-US" dirty="0"/>
             </a:br>
             <a:r>
-              <a:rPr lang="en-US" dirty="0" smtClean="0"/>
+              <a:rPr lang="en-US" dirty="0"/>
               <a:t>– Web GUI charts support detail popup information.</a:t>
             </a:r>
             <a:br>
-              <a:rPr lang="en-US" dirty="0" smtClean="0"/>
+              <a:rPr lang="en-US" dirty="0"/>
             </a:br>
             <a:r>
-              <a:rPr lang="en-US" dirty="0" smtClean="0"/>
+              <a:rPr lang="en-US" dirty="0"/>
               <a:t>– Web GUI support manual measurement corrections.</a:t>
             </a:r>
           </a:p>
           <a:p>
             <a:r>
-              <a:rPr lang="en-US" dirty="0" smtClean="0"/>
+              <a:rPr lang="en-US" dirty="0"/>
               <a:t>– Web GUI support secure access </a:t>
             </a:r>
             <a:br>
-              <a:rPr lang="en-US" dirty="0" smtClean="0"/>
+              <a:rPr lang="en-US" dirty="0"/>
             </a:br>
             <a:r>
-              <a:rPr lang="en-US" dirty="0" smtClean="0"/>
+              <a:rPr lang="en-US" dirty="0"/>
               <a:t>– and much more!</a:t>
             </a:r>
             <a:endParaRPr lang="nl-NL" dirty="0"/>
